--- a/03.JavaScript/JavaScript.pptx
+++ b/03.JavaScript/JavaScript.pptx
@@ -5,7 +5,7 @@
     <p:sldMasterId id="2147483648" r:id="rId1"/>
   </p:sldMasterIdLst>
   <p:notesMasterIdLst>
-    <p:notesMasterId r:id="rId31"/>
+    <p:notesMasterId r:id="rId34"/>
   </p:notesMasterIdLst>
   <p:sldIdLst>
     <p:sldId id="260" r:id="rId2"/>
@@ -23,20 +23,23 @@
     <p:sldId id="275" r:id="rId14"/>
     <p:sldId id="276" r:id="rId15"/>
     <p:sldId id="277" r:id="rId16"/>
-    <p:sldId id="278" r:id="rId17"/>
-    <p:sldId id="279" r:id="rId18"/>
-    <p:sldId id="280" r:id="rId19"/>
-    <p:sldId id="281" r:id="rId20"/>
-    <p:sldId id="282" r:id="rId21"/>
-    <p:sldId id="283" r:id="rId22"/>
-    <p:sldId id="284" r:id="rId23"/>
-    <p:sldId id="285" r:id="rId24"/>
-    <p:sldId id="286" r:id="rId25"/>
-    <p:sldId id="287" r:id="rId26"/>
-    <p:sldId id="294" r:id="rId27"/>
-    <p:sldId id="295" r:id="rId28"/>
-    <p:sldId id="291" r:id="rId29"/>
-    <p:sldId id="292" r:id="rId30"/>
+    <p:sldId id="296" r:id="rId17"/>
+    <p:sldId id="297" r:id="rId18"/>
+    <p:sldId id="279" r:id="rId19"/>
+    <p:sldId id="280" r:id="rId20"/>
+    <p:sldId id="281" r:id="rId21"/>
+    <p:sldId id="282" r:id="rId22"/>
+    <p:sldId id="283" r:id="rId23"/>
+    <p:sldId id="284" r:id="rId24"/>
+    <p:sldId id="285" r:id="rId25"/>
+    <p:sldId id="286" r:id="rId26"/>
+    <p:sldId id="287" r:id="rId27"/>
+    <p:sldId id="298" r:id="rId28"/>
+    <p:sldId id="294" r:id="rId29"/>
+    <p:sldId id="299" r:id="rId30"/>
+    <p:sldId id="295" r:id="rId31"/>
+    <p:sldId id="291" r:id="rId32"/>
+    <p:sldId id="292" r:id="rId33"/>
   </p:sldIdLst>
   <p:sldSz cx="12192000" cy="6858000"/>
   <p:notesSz cx="6858000" cy="9144000"/>
@@ -137,7 +140,7 @@
   </p:defaultTextStyle>
   <p:extLst>
     <p:ext uri="{EFAFB233-063F-42B5-8137-9DF3F51BA10A}">
-      <p15:sldGuideLst xmlns="" xmlns:p15="http://schemas.microsoft.com/office/powerpoint/2012/main"/>
+      <p15:sldGuideLst xmlns:p15="http://schemas.microsoft.com/office/powerpoint/2012/main" xmlns=""/>
     </p:ext>
   </p:extLst>
 </p:presentation>
@@ -1276,7 +1279,7 @@
   </dgm:whole>
   <dgm:extLst>
     <a:ext uri="http://schemas.microsoft.com/office/drawing/2008/diagram">
-      <dsp:dataModelExt xmlns="" xmlns:dsp="http://schemas.microsoft.com/office/drawing/2008/diagram" relId="rId7" minVer="http://schemas.openxmlformats.org/drawingml/2006/diagram"/>
+      <dsp:dataModelExt xmlns:dsp="http://schemas.microsoft.com/office/drawing/2008/diagram" xmlns="" relId="rId7" minVer="http://schemas.openxmlformats.org/drawingml/2006/diagram"/>
     </a:ext>
   </dgm:extLst>
 </dgm:dataModel>
@@ -3296,7 +3299,7 @@
     </p:spTree>
     <p:extLst>
       <p:ext uri="{BB962C8B-B14F-4D97-AF65-F5344CB8AC3E}">
-        <p14:creationId xmlns="" xmlns:p14="http://schemas.microsoft.com/office/powerpoint/2010/main" val="244182957"/>
+        <p14:creationId xmlns:p14="http://schemas.microsoft.com/office/powerpoint/2010/main" xmlns="" val="244182957"/>
       </p:ext>
     </p:extLst>
   </p:cSld>
@@ -3471,7 +3474,7 @@
     </p:spTree>
     <p:extLst>
       <p:ext uri="{BB962C8B-B14F-4D97-AF65-F5344CB8AC3E}">
-        <p14:creationId xmlns="" xmlns:p14="http://schemas.microsoft.com/office/powerpoint/2010/main" val="2081566784"/>
+        <p14:creationId xmlns:p14="http://schemas.microsoft.com/office/powerpoint/2010/main" xmlns="" val="2081566784"/>
       </p:ext>
     </p:extLst>
   </p:cSld>
@@ -3556,7 +3559,7 @@
     </p:spTree>
     <p:extLst>
       <p:ext uri="{BB962C8B-B14F-4D97-AF65-F5344CB8AC3E}">
-        <p14:creationId xmlns="" xmlns:p14="http://schemas.microsoft.com/office/powerpoint/2010/main" val="275206236"/>
+        <p14:creationId xmlns:p14="http://schemas.microsoft.com/office/powerpoint/2010/main" xmlns="" val="275206236"/>
       </p:ext>
     </p:extLst>
   </p:cSld>
@@ -3641,7 +3644,7 @@
     </p:spTree>
     <p:extLst>
       <p:ext uri="{BB962C8B-B14F-4D97-AF65-F5344CB8AC3E}">
-        <p14:creationId xmlns="" xmlns:p14="http://schemas.microsoft.com/office/powerpoint/2010/main" val="275206236"/>
+        <p14:creationId xmlns:p14="http://schemas.microsoft.com/office/powerpoint/2010/main" xmlns="" val="275206236"/>
       </p:ext>
     </p:extLst>
   </p:cSld>
@@ -3726,7 +3729,7 @@
     </p:spTree>
     <p:extLst>
       <p:ext uri="{BB962C8B-B14F-4D97-AF65-F5344CB8AC3E}">
-        <p14:creationId xmlns="" xmlns:p14="http://schemas.microsoft.com/office/powerpoint/2010/main" val="275206236"/>
+        <p14:creationId xmlns:p14="http://schemas.microsoft.com/office/powerpoint/2010/main" xmlns="" val="275206236"/>
       </p:ext>
     </p:extLst>
   </p:cSld>
@@ -3811,7 +3814,7 @@
     </p:spTree>
     <p:extLst>
       <p:ext uri="{BB962C8B-B14F-4D97-AF65-F5344CB8AC3E}">
-        <p14:creationId xmlns="" xmlns:p14="http://schemas.microsoft.com/office/powerpoint/2010/main" val="275206236"/>
+        <p14:creationId xmlns:p14="http://schemas.microsoft.com/office/powerpoint/2010/main" xmlns="" val="275206236"/>
       </p:ext>
     </p:extLst>
   </p:cSld>
@@ -3896,7 +3899,7 @@
     </p:spTree>
     <p:extLst>
       <p:ext uri="{BB962C8B-B14F-4D97-AF65-F5344CB8AC3E}">
-        <p14:creationId xmlns="" xmlns:p14="http://schemas.microsoft.com/office/powerpoint/2010/main" val="275206236"/>
+        <p14:creationId xmlns:p14="http://schemas.microsoft.com/office/powerpoint/2010/main" xmlns="" val="275206236"/>
       </p:ext>
     </p:extLst>
   </p:cSld>
@@ -3981,7 +3984,7 @@
     </p:spTree>
     <p:extLst>
       <p:ext uri="{BB962C8B-B14F-4D97-AF65-F5344CB8AC3E}">
-        <p14:creationId xmlns="" xmlns:p14="http://schemas.microsoft.com/office/powerpoint/2010/main" val="275206236"/>
+        <p14:creationId xmlns:p14="http://schemas.microsoft.com/office/powerpoint/2010/main" xmlns="" val="275206236"/>
       </p:ext>
     </p:extLst>
   </p:cSld>
@@ -4066,7 +4069,7 @@
     </p:spTree>
     <p:extLst>
       <p:ext uri="{BB962C8B-B14F-4D97-AF65-F5344CB8AC3E}">
-        <p14:creationId xmlns="" xmlns:p14="http://schemas.microsoft.com/office/powerpoint/2010/main" val="275206236"/>
+        <p14:creationId xmlns:p14="http://schemas.microsoft.com/office/powerpoint/2010/main" xmlns="" val="275206236"/>
       </p:ext>
     </p:extLst>
   </p:cSld>
@@ -4151,7 +4154,7 @@
     </p:spTree>
     <p:extLst>
       <p:ext uri="{BB962C8B-B14F-4D97-AF65-F5344CB8AC3E}">
-        <p14:creationId xmlns="" xmlns:p14="http://schemas.microsoft.com/office/powerpoint/2010/main" val="275206236"/>
+        <p14:creationId xmlns:p14="http://schemas.microsoft.com/office/powerpoint/2010/main" xmlns="" val="275206236"/>
       </p:ext>
     </p:extLst>
   </p:cSld>
@@ -4236,7 +4239,7 @@
     </p:spTree>
     <p:extLst>
       <p:ext uri="{BB962C8B-B14F-4D97-AF65-F5344CB8AC3E}">
-        <p14:creationId xmlns="" xmlns:p14="http://schemas.microsoft.com/office/powerpoint/2010/main" val="275206236"/>
+        <p14:creationId xmlns:p14="http://schemas.microsoft.com/office/powerpoint/2010/main" xmlns="" val="275206236"/>
       </p:ext>
     </p:extLst>
   </p:cSld>
@@ -4321,7 +4324,7 @@
     </p:spTree>
     <p:extLst>
       <p:ext uri="{BB962C8B-B14F-4D97-AF65-F5344CB8AC3E}">
-        <p14:creationId xmlns="" xmlns:p14="http://schemas.microsoft.com/office/powerpoint/2010/main" val="275206236"/>
+        <p14:creationId xmlns:p14="http://schemas.microsoft.com/office/powerpoint/2010/main" xmlns="" val="275206236"/>
       </p:ext>
     </p:extLst>
   </p:cSld>
@@ -4406,7 +4409,7 @@
     </p:spTree>
     <p:extLst>
       <p:ext uri="{BB962C8B-B14F-4D97-AF65-F5344CB8AC3E}">
-        <p14:creationId xmlns="" xmlns:p14="http://schemas.microsoft.com/office/powerpoint/2010/main" val="1873967813"/>
+        <p14:creationId xmlns:p14="http://schemas.microsoft.com/office/powerpoint/2010/main" xmlns="" val="1873967813"/>
       </p:ext>
     </p:extLst>
   </p:cSld>
@@ -4460,10 +4463,6 @@
           <a:bodyPr/>
           <a:lstStyle/>
           <a:p>
-            <a:r>
-              <a:rPr lang="en-US" altLang="zh-CN" dirty="0" smtClean="0"/>
-              <a:t>Demo “2.for”</a:t>
-            </a:r>
             <a:endParaRPr lang="en-US" dirty="0"/>
           </a:p>
         </p:txBody>
@@ -4495,7 +4494,7 @@
     </p:spTree>
     <p:extLst>
       <p:ext uri="{BB962C8B-B14F-4D97-AF65-F5344CB8AC3E}">
-        <p14:creationId xmlns="" xmlns:p14="http://schemas.microsoft.com/office/powerpoint/2010/main" val="275206236"/>
+        <p14:creationId xmlns:p14="http://schemas.microsoft.com/office/powerpoint/2010/main" xmlns="" val="275206236"/>
       </p:ext>
     </p:extLst>
   </p:cSld>
@@ -4549,6 +4548,10 @@
           <a:bodyPr/>
           <a:lstStyle/>
           <a:p>
+            <a:r>
+              <a:rPr lang="en-US" altLang="zh-CN" dirty="0" smtClean="0"/>
+              <a:t>Demo “2.for”</a:t>
+            </a:r>
             <a:endParaRPr lang="en-US" dirty="0"/>
           </a:p>
         </p:txBody>
@@ -4580,7 +4583,7 @@
     </p:spTree>
     <p:extLst>
       <p:ext uri="{BB962C8B-B14F-4D97-AF65-F5344CB8AC3E}">
-        <p14:creationId xmlns="" xmlns:p14="http://schemas.microsoft.com/office/powerpoint/2010/main" val="275206236"/>
+        <p14:creationId xmlns:p14="http://schemas.microsoft.com/office/powerpoint/2010/main" xmlns="" val="275206236"/>
       </p:ext>
     </p:extLst>
   </p:cSld>
@@ -4634,10 +4637,6 @@
           <a:bodyPr/>
           <a:lstStyle/>
           <a:p>
-            <a:r>
-              <a:rPr lang="en-US" dirty="0" smtClean="0"/>
-              <a:t>1.</a:t>
-            </a:r>
             <a:endParaRPr lang="en-US" dirty="0"/>
           </a:p>
         </p:txBody>
@@ -4669,7 +4668,7 @@
     </p:spTree>
     <p:extLst>
       <p:ext uri="{BB962C8B-B14F-4D97-AF65-F5344CB8AC3E}">
-        <p14:creationId xmlns="" xmlns:p14="http://schemas.microsoft.com/office/powerpoint/2010/main" val="275206236"/>
+        <p14:creationId xmlns:p14="http://schemas.microsoft.com/office/powerpoint/2010/main" xmlns="" val="275206236"/>
       </p:ext>
     </p:extLst>
   </p:cSld>
@@ -4723,6 +4722,10 @@
           <a:bodyPr/>
           <a:lstStyle/>
           <a:p>
+            <a:r>
+              <a:rPr lang="en-US" dirty="0" smtClean="0"/>
+              <a:t>1.</a:t>
+            </a:r>
             <a:endParaRPr lang="en-US" dirty="0"/>
           </a:p>
         </p:txBody>
@@ -4754,7 +4757,7 @@
     </p:spTree>
     <p:extLst>
       <p:ext uri="{BB962C8B-B14F-4D97-AF65-F5344CB8AC3E}">
-        <p14:creationId xmlns="" xmlns:p14="http://schemas.microsoft.com/office/powerpoint/2010/main" val="275206236"/>
+        <p14:creationId xmlns:p14="http://schemas.microsoft.com/office/powerpoint/2010/main" xmlns="" val="275206236"/>
       </p:ext>
     </p:extLst>
   </p:cSld>
@@ -4839,7 +4842,7 @@
     </p:spTree>
     <p:extLst>
       <p:ext uri="{BB962C8B-B14F-4D97-AF65-F5344CB8AC3E}">
-        <p14:creationId xmlns="" xmlns:p14="http://schemas.microsoft.com/office/powerpoint/2010/main" val="275206236"/>
+        <p14:creationId xmlns:p14="http://schemas.microsoft.com/office/powerpoint/2010/main" xmlns="" val="275206236"/>
       </p:ext>
     </p:extLst>
   </p:cSld>
@@ -4924,7 +4927,7 @@
     </p:spTree>
     <p:extLst>
       <p:ext uri="{BB962C8B-B14F-4D97-AF65-F5344CB8AC3E}">
-        <p14:creationId xmlns="" xmlns:p14="http://schemas.microsoft.com/office/powerpoint/2010/main" val="275206236"/>
+        <p14:creationId xmlns:p14="http://schemas.microsoft.com/office/powerpoint/2010/main" xmlns="" val="275206236"/>
       </p:ext>
     </p:extLst>
   </p:cSld>
@@ -5009,7 +5012,7 @@
     </p:spTree>
     <p:extLst>
       <p:ext uri="{BB962C8B-B14F-4D97-AF65-F5344CB8AC3E}">
-        <p14:creationId xmlns="" xmlns:p14="http://schemas.microsoft.com/office/powerpoint/2010/main" val="275206236"/>
+        <p14:creationId xmlns:p14="http://schemas.microsoft.com/office/powerpoint/2010/main" xmlns="" val="275206236"/>
       </p:ext>
     </p:extLst>
   </p:cSld>
@@ -5094,7 +5097,7 @@
     </p:spTree>
     <p:extLst>
       <p:ext uri="{BB962C8B-B14F-4D97-AF65-F5344CB8AC3E}">
-        <p14:creationId xmlns="" xmlns:p14="http://schemas.microsoft.com/office/powerpoint/2010/main" val="275206236"/>
+        <p14:creationId xmlns:p14="http://schemas.microsoft.com/office/powerpoint/2010/main" xmlns="" val="275206236"/>
       </p:ext>
     </p:extLst>
   </p:cSld>
@@ -5179,7 +5182,7 @@
     </p:spTree>
     <p:extLst>
       <p:ext uri="{BB962C8B-B14F-4D97-AF65-F5344CB8AC3E}">
-        <p14:creationId xmlns="" xmlns:p14="http://schemas.microsoft.com/office/powerpoint/2010/main" val="275206236"/>
+        <p14:creationId xmlns:p14="http://schemas.microsoft.com/office/powerpoint/2010/main" xmlns="" val="275206236"/>
       </p:ext>
     </p:extLst>
   </p:cSld>
@@ -5233,16 +5236,6 @@
           <a:bodyPr/>
           <a:lstStyle/>
           <a:p>
-            <a:r>
-              <a:rPr lang="en-US" dirty="0" smtClean="0"/>
-              <a:t>http://www.coolmath-games.com/0-tower-of-hanoi</a:t>
-            </a:r>
-          </a:p>
-          <a:p>
-            <a:r>
-              <a:rPr lang="en-US" dirty="0" smtClean="0"/>
-              <a:t>http://www.novelgames.com/en/tower/</a:t>
-            </a:r>
             <a:endParaRPr lang="en-US" dirty="0"/>
           </a:p>
         </p:txBody>
@@ -5274,7 +5267,7 @@
     </p:spTree>
     <p:extLst>
       <p:ext uri="{BB962C8B-B14F-4D97-AF65-F5344CB8AC3E}">
-        <p14:creationId xmlns="" xmlns:p14="http://schemas.microsoft.com/office/powerpoint/2010/main" val="275206236"/>
+        <p14:creationId xmlns:p14="http://schemas.microsoft.com/office/powerpoint/2010/main" xmlns="" val="275206236"/>
       </p:ext>
     </p:extLst>
   </p:cSld>
@@ -5359,7 +5352,272 @@
     </p:spTree>
     <p:extLst>
       <p:ext uri="{BB962C8B-B14F-4D97-AF65-F5344CB8AC3E}">
-        <p14:creationId xmlns="" xmlns:p14="http://schemas.microsoft.com/office/powerpoint/2010/main" val="4042796661"/>
+        <p14:creationId xmlns:p14="http://schemas.microsoft.com/office/powerpoint/2010/main" xmlns="" val="4042796661"/>
+      </p:ext>
+    </p:extLst>
+  </p:cSld>
+  <p:clrMapOvr>
+    <a:masterClrMapping/>
+  </p:clrMapOvr>
+</p:notes>
+</file>
+
+<file path=ppt/notesSlides/notesSlide30.xml><?xml version="1.0" encoding="utf-8"?>
+<p:notes xmlns:a="http://schemas.openxmlformats.org/drawingml/2006/main" xmlns:r="http://schemas.openxmlformats.org/officeDocument/2006/relationships" xmlns:p="http://schemas.openxmlformats.org/presentationml/2006/main">
+  <p:cSld>
+    <p:spTree>
+      <p:nvGrpSpPr>
+        <p:cNvPr id="1" name=""/>
+        <p:cNvGrpSpPr/>
+        <p:nvPr/>
+      </p:nvGrpSpPr>
+      <p:grpSpPr>
+        <a:xfrm>
+          <a:off x="0" y="0"/>
+          <a:ext cx="0" cy="0"/>
+          <a:chOff x="0" y="0"/>
+          <a:chExt cx="0" cy="0"/>
+        </a:xfrm>
+      </p:grpSpPr>
+      <p:sp>
+        <p:nvSpPr>
+          <p:cNvPr id="2" name="Slide Image Placeholder 1"/>
+          <p:cNvSpPr>
+            <a:spLocks noGrp="1" noRot="1" noChangeAspect="1"/>
+          </p:cNvSpPr>
+          <p:nvPr>
+            <p:ph type="sldImg"/>
+          </p:nvPr>
+        </p:nvSpPr>
+        <p:spPr/>
+      </p:sp>
+      <p:sp>
+        <p:nvSpPr>
+          <p:cNvPr id="3" name="Notes Placeholder 2"/>
+          <p:cNvSpPr>
+            <a:spLocks noGrp="1"/>
+          </p:cNvSpPr>
+          <p:nvPr>
+            <p:ph type="body" idx="1"/>
+          </p:nvPr>
+        </p:nvSpPr>
+        <p:spPr/>
+        <p:txBody>
+          <a:bodyPr/>
+          <a:lstStyle/>
+          <a:p>
+            <a:endParaRPr lang="en-US" dirty="0"/>
+          </a:p>
+        </p:txBody>
+      </p:sp>
+      <p:sp>
+        <p:nvSpPr>
+          <p:cNvPr id="4" name="Slide Number Placeholder 3"/>
+          <p:cNvSpPr>
+            <a:spLocks noGrp="1"/>
+          </p:cNvSpPr>
+          <p:nvPr>
+            <p:ph type="sldNum" sz="quarter" idx="10"/>
+          </p:nvPr>
+        </p:nvSpPr>
+        <p:spPr/>
+        <p:txBody>
+          <a:bodyPr/>
+          <a:lstStyle/>
+          <a:p>
+            <a:fld id="{8ABC5F5D-F15C-8846-AC21-6CDE416EB847}" type="slidenum">
+              <a:rPr lang="en-US" smtClean="0"/>
+              <a:pPr/>
+              <a:t>30</a:t>
+            </a:fld>
+            <a:endParaRPr lang="en-US"/>
+          </a:p>
+        </p:txBody>
+      </p:sp>
+    </p:spTree>
+    <p:extLst>
+      <p:ext uri="{BB962C8B-B14F-4D97-AF65-F5344CB8AC3E}">
+        <p14:creationId xmlns:p14="http://schemas.microsoft.com/office/powerpoint/2010/main" xmlns="" val="275206236"/>
+      </p:ext>
+    </p:extLst>
+  </p:cSld>
+  <p:clrMapOvr>
+    <a:masterClrMapping/>
+  </p:clrMapOvr>
+</p:notes>
+</file>
+
+<file path=ppt/notesSlides/notesSlide31.xml><?xml version="1.0" encoding="utf-8"?>
+<p:notes xmlns:a="http://schemas.openxmlformats.org/drawingml/2006/main" xmlns:r="http://schemas.openxmlformats.org/officeDocument/2006/relationships" xmlns:p="http://schemas.openxmlformats.org/presentationml/2006/main">
+  <p:cSld>
+    <p:spTree>
+      <p:nvGrpSpPr>
+        <p:cNvPr id="1" name=""/>
+        <p:cNvGrpSpPr/>
+        <p:nvPr/>
+      </p:nvGrpSpPr>
+      <p:grpSpPr>
+        <a:xfrm>
+          <a:off x="0" y="0"/>
+          <a:ext cx="0" cy="0"/>
+          <a:chOff x="0" y="0"/>
+          <a:chExt cx="0" cy="0"/>
+        </a:xfrm>
+      </p:grpSpPr>
+      <p:sp>
+        <p:nvSpPr>
+          <p:cNvPr id="2" name="Slide Image Placeholder 1"/>
+          <p:cNvSpPr>
+            <a:spLocks noGrp="1" noRot="1" noChangeAspect="1"/>
+          </p:cNvSpPr>
+          <p:nvPr>
+            <p:ph type="sldImg"/>
+          </p:nvPr>
+        </p:nvSpPr>
+        <p:spPr/>
+      </p:sp>
+      <p:sp>
+        <p:nvSpPr>
+          <p:cNvPr id="3" name="Notes Placeholder 2"/>
+          <p:cNvSpPr>
+            <a:spLocks noGrp="1"/>
+          </p:cNvSpPr>
+          <p:nvPr>
+            <p:ph type="body" idx="1"/>
+          </p:nvPr>
+        </p:nvSpPr>
+        <p:spPr/>
+        <p:txBody>
+          <a:bodyPr/>
+          <a:lstStyle/>
+          <a:p>
+            <a:endParaRPr lang="en-US" dirty="0"/>
+          </a:p>
+        </p:txBody>
+      </p:sp>
+      <p:sp>
+        <p:nvSpPr>
+          <p:cNvPr id="4" name="Slide Number Placeholder 3"/>
+          <p:cNvSpPr>
+            <a:spLocks noGrp="1"/>
+          </p:cNvSpPr>
+          <p:nvPr>
+            <p:ph type="sldNum" sz="quarter" idx="10"/>
+          </p:nvPr>
+        </p:nvSpPr>
+        <p:spPr/>
+        <p:txBody>
+          <a:bodyPr/>
+          <a:lstStyle/>
+          <a:p>
+            <a:fld id="{8ABC5F5D-F15C-8846-AC21-6CDE416EB847}" type="slidenum">
+              <a:rPr lang="en-US" smtClean="0"/>
+              <a:pPr/>
+              <a:t>31</a:t>
+            </a:fld>
+            <a:endParaRPr lang="en-US"/>
+          </a:p>
+        </p:txBody>
+      </p:sp>
+    </p:spTree>
+    <p:extLst>
+      <p:ext uri="{BB962C8B-B14F-4D97-AF65-F5344CB8AC3E}">
+        <p14:creationId xmlns:p14="http://schemas.microsoft.com/office/powerpoint/2010/main" xmlns="" val="275206236"/>
+      </p:ext>
+    </p:extLst>
+  </p:cSld>
+  <p:clrMapOvr>
+    <a:masterClrMapping/>
+  </p:clrMapOvr>
+</p:notes>
+</file>
+
+<file path=ppt/notesSlides/notesSlide32.xml><?xml version="1.0" encoding="utf-8"?>
+<p:notes xmlns:a="http://schemas.openxmlformats.org/drawingml/2006/main" xmlns:r="http://schemas.openxmlformats.org/officeDocument/2006/relationships" xmlns:p="http://schemas.openxmlformats.org/presentationml/2006/main">
+  <p:cSld>
+    <p:spTree>
+      <p:nvGrpSpPr>
+        <p:cNvPr id="1" name=""/>
+        <p:cNvGrpSpPr/>
+        <p:nvPr/>
+      </p:nvGrpSpPr>
+      <p:grpSpPr>
+        <a:xfrm>
+          <a:off x="0" y="0"/>
+          <a:ext cx="0" cy="0"/>
+          <a:chOff x="0" y="0"/>
+          <a:chExt cx="0" cy="0"/>
+        </a:xfrm>
+      </p:grpSpPr>
+      <p:sp>
+        <p:nvSpPr>
+          <p:cNvPr id="2" name="Slide Image Placeholder 1"/>
+          <p:cNvSpPr>
+            <a:spLocks noGrp="1" noRot="1" noChangeAspect="1"/>
+          </p:cNvSpPr>
+          <p:nvPr>
+            <p:ph type="sldImg"/>
+          </p:nvPr>
+        </p:nvSpPr>
+        <p:spPr/>
+      </p:sp>
+      <p:sp>
+        <p:nvSpPr>
+          <p:cNvPr id="3" name="Notes Placeholder 2"/>
+          <p:cNvSpPr>
+            <a:spLocks noGrp="1"/>
+          </p:cNvSpPr>
+          <p:nvPr>
+            <p:ph type="body" idx="1"/>
+          </p:nvPr>
+        </p:nvSpPr>
+        <p:spPr/>
+        <p:txBody>
+          <a:bodyPr/>
+          <a:lstStyle/>
+          <a:p>
+            <a:r>
+              <a:rPr lang="en-US" dirty="0" smtClean="0"/>
+              <a:t>http://www.coolmath-games.com/0-tower-of-hanoi</a:t>
+            </a:r>
+          </a:p>
+          <a:p>
+            <a:r>
+              <a:rPr lang="en-US" dirty="0" smtClean="0"/>
+              <a:t>http://www.novelgames.com/en/tower/</a:t>
+            </a:r>
+            <a:endParaRPr lang="en-US" dirty="0"/>
+          </a:p>
+        </p:txBody>
+      </p:sp>
+      <p:sp>
+        <p:nvSpPr>
+          <p:cNvPr id="4" name="Slide Number Placeholder 3"/>
+          <p:cNvSpPr>
+            <a:spLocks noGrp="1"/>
+          </p:cNvSpPr>
+          <p:nvPr>
+            <p:ph type="sldNum" sz="quarter" idx="10"/>
+          </p:nvPr>
+        </p:nvSpPr>
+        <p:spPr/>
+        <p:txBody>
+          <a:bodyPr/>
+          <a:lstStyle/>
+          <a:p>
+            <a:fld id="{8ABC5F5D-F15C-8846-AC21-6CDE416EB847}" type="slidenum">
+              <a:rPr lang="en-US" smtClean="0"/>
+              <a:pPr/>
+              <a:t>32</a:t>
+            </a:fld>
+            <a:endParaRPr lang="en-US"/>
+          </a:p>
+        </p:txBody>
+      </p:sp>
+    </p:spTree>
+    <p:extLst>
+      <p:ext uri="{BB962C8B-B14F-4D97-AF65-F5344CB8AC3E}">
+        <p14:creationId xmlns:p14="http://schemas.microsoft.com/office/powerpoint/2010/main" xmlns="" val="275206236"/>
       </p:ext>
     </p:extLst>
   </p:cSld>
@@ -5444,7 +5702,7 @@
     </p:spTree>
     <p:extLst>
       <p:ext uri="{BB962C8B-B14F-4D97-AF65-F5344CB8AC3E}">
-        <p14:creationId xmlns="" xmlns:p14="http://schemas.microsoft.com/office/powerpoint/2010/main" val="662694539"/>
+        <p14:creationId xmlns:p14="http://schemas.microsoft.com/office/powerpoint/2010/main" xmlns="" val="662694539"/>
       </p:ext>
     </p:extLst>
   </p:cSld>
@@ -5529,7 +5787,7 @@
     </p:spTree>
     <p:extLst>
       <p:ext uri="{BB962C8B-B14F-4D97-AF65-F5344CB8AC3E}">
-        <p14:creationId xmlns="" xmlns:p14="http://schemas.microsoft.com/office/powerpoint/2010/main" val="1024815132"/>
+        <p14:creationId xmlns:p14="http://schemas.microsoft.com/office/powerpoint/2010/main" xmlns="" val="1024815132"/>
       </p:ext>
     </p:extLst>
   </p:cSld>
@@ -5614,7 +5872,7 @@
     </p:spTree>
     <p:extLst>
       <p:ext uri="{BB962C8B-B14F-4D97-AF65-F5344CB8AC3E}">
-        <p14:creationId xmlns="" xmlns:p14="http://schemas.microsoft.com/office/powerpoint/2010/main" val="901109633"/>
+        <p14:creationId xmlns:p14="http://schemas.microsoft.com/office/powerpoint/2010/main" xmlns="" val="901109633"/>
       </p:ext>
     </p:extLst>
   </p:cSld>
@@ -5699,7 +5957,7 @@
     </p:spTree>
     <p:extLst>
       <p:ext uri="{BB962C8B-B14F-4D97-AF65-F5344CB8AC3E}">
-        <p14:creationId xmlns="" xmlns:p14="http://schemas.microsoft.com/office/powerpoint/2010/main" val="3742917869"/>
+        <p14:creationId xmlns:p14="http://schemas.microsoft.com/office/powerpoint/2010/main" xmlns="" val="3742917869"/>
       </p:ext>
     </p:extLst>
   </p:cSld>
@@ -5784,7 +6042,7 @@
     </p:spTree>
     <p:extLst>
       <p:ext uri="{BB962C8B-B14F-4D97-AF65-F5344CB8AC3E}">
-        <p14:creationId xmlns="" xmlns:p14="http://schemas.microsoft.com/office/powerpoint/2010/main" val="3303758646"/>
+        <p14:creationId xmlns:p14="http://schemas.microsoft.com/office/powerpoint/2010/main" xmlns="" val="3303758646"/>
       </p:ext>
     </p:extLst>
   </p:cSld>
@@ -5869,7 +6127,7 @@
     </p:spTree>
     <p:extLst>
       <p:ext uri="{BB962C8B-B14F-4D97-AF65-F5344CB8AC3E}">
-        <p14:creationId xmlns="" xmlns:p14="http://schemas.microsoft.com/office/powerpoint/2010/main" val="2229045688"/>
+        <p14:creationId xmlns:p14="http://schemas.microsoft.com/office/powerpoint/2010/main" xmlns="" val="2229045688"/>
       </p:ext>
     </p:extLst>
   </p:cSld>
@@ -10945,7 +11203,7 @@
           <a:blip r:embed="rId19">
             <a:extLst>
               <a:ext uri="{28A0092B-C50C-407E-A947-70E740481C1C}">
-                <a14:useLocalDpi xmlns="" xmlns:a14="http://schemas.microsoft.com/office/drawing/2010/main" val="0"/>
+                <a14:useLocalDpi xmlns:a14="http://schemas.microsoft.com/office/drawing/2010/main" xmlns="" val="0"/>
               </a:ext>
             </a:extLst>
           </a:blip>
@@ -10974,7 +11232,7 @@
           <a:blip r:embed="rId20">
             <a:extLst>
               <a:ext uri="{28A0092B-C50C-407E-A947-70E740481C1C}">
-                <a14:useLocalDpi xmlns="" xmlns:a14="http://schemas.microsoft.com/office/drawing/2010/main" val="0"/>
+                <a14:useLocalDpi xmlns:a14="http://schemas.microsoft.com/office/drawing/2010/main" xmlns="" val="0"/>
               </a:ext>
             </a:extLst>
           </a:blip>
@@ -11066,7 +11324,7 @@
           <a:blip r:embed="rId21">
             <a:extLst>
               <a:ext uri="{28A0092B-C50C-407E-A947-70E740481C1C}">
-                <a14:useLocalDpi xmlns="" xmlns:a14="http://schemas.microsoft.com/office/drawing/2010/main" val="0"/>
+                <a14:useLocalDpi xmlns:a14="http://schemas.microsoft.com/office/drawing/2010/main" xmlns="" val="0"/>
               </a:ext>
             </a:extLst>
           </a:blip>
@@ -11095,7 +11353,7 @@
           <a:blip r:embed="rId22">
             <a:extLst>
               <a:ext uri="{28A0092B-C50C-407E-A947-70E740481C1C}">
-                <a14:useLocalDpi xmlns="" xmlns:a14="http://schemas.microsoft.com/office/drawing/2010/main" val="0"/>
+                <a14:useLocalDpi xmlns:a14="http://schemas.microsoft.com/office/drawing/2010/main" xmlns="" val="0"/>
               </a:ext>
             </a:extLst>
           </a:blip>
@@ -11838,7 +12096,7 @@
             <p:ph idx="1"/>
             <p:extLst>
               <p:ext uri="{D42A27DB-BD31-4B8C-83A1-F6EECF244321}">
-                <p14:modId xmlns="" xmlns:p14="http://schemas.microsoft.com/office/powerpoint/2010/main" val="1539963048"/>
+                <p14:modId xmlns:p14="http://schemas.microsoft.com/office/powerpoint/2010/main" xmlns="" val="1539963048"/>
               </p:ext>
             </p:extLst>
           </p:nvPr>
@@ -11856,7 +12114,7 @@
     </p:spTree>
     <p:extLst>
       <p:ext uri="{BB962C8B-B14F-4D97-AF65-F5344CB8AC3E}">
-        <p14:creationId xmlns="" xmlns:p14="http://schemas.microsoft.com/office/powerpoint/2010/main" val="430847203"/>
+        <p14:creationId xmlns:p14="http://schemas.microsoft.com/office/powerpoint/2010/main" xmlns="" val="430847203"/>
       </p:ext>
     </p:extLst>
   </p:cSld>
@@ -12166,7 +12424,7 @@
     </p:spTree>
     <p:extLst>
       <p:ext uri="{BB962C8B-B14F-4D97-AF65-F5344CB8AC3E}">
-        <p14:creationId xmlns="" xmlns:p14="http://schemas.microsoft.com/office/powerpoint/2010/main" val="2036312712"/>
+        <p14:creationId xmlns:p14="http://schemas.microsoft.com/office/powerpoint/2010/main" xmlns="" val="2036312712"/>
       </p:ext>
     </p:extLst>
   </p:cSld>
@@ -12453,7 +12711,7 @@
     </p:spTree>
     <p:extLst>
       <p:ext uri="{BB962C8B-B14F-4D97-AF65-F5344CB8AC3E}">
-        <p14:creationId xmlns="" xmlns:p14="http://schemas.microsoft.com/office/powerpoint/2010/main" val="2036312712"/>
+        <p14:creationId xmlns:p14="http://schemas.microsoft.com/office/powerpoint/2010/main" xmlns="" val="2036312712"/>
       </p:ext>
     </p:extLst>
   </p:cSld>
@@ -12625,11 +12883,7 @@
             </a:pPr>
             <a:r>
               <a:rPr lang="zh-CN" altLang="en-US" sz="2400" dirty="0" smtClean="0"/>
-              <a:t>布尔</a:t>
-            </a:r>
-            <a:r>
-              <a:rPr lang="zh-CN" altLang="en-US" sz="2400" dirty="0" smtClean="0"/>
-              <a:t>值 </a:t>
+              <a:t>布尔值 </a:t>
             </a:r>
             <a:r>
               <a:rPr lang="en-US" altLang="zh-CN" sz="2400" dirty="0" err="1" smtClean="0"/>
@@ -12724,7 +12978,7 @@
     </p:spTree>
     <p:extLst>
       <p:ext uri="{BB962C8B-B14F-4D97-AF65-F5344CB8AC3E}">
-        <p14:creationId xmlns="" xmlns:p14="http://schemas.microsoft.com/office/powerpoint/2010/main" val="2036312712"/>
+        <p14:creationId xmlns:p14="http://schemas.microsoft.com/office/powerpoint/2010/main" xmlns="" val="2036312712"/>
       </p:ext>
     </p:extLst>
   </p:cSld>
@@ -12950,7 +13204,7 @@
     </p:spTree>
     <p:extLst>
       <p:ext uri="{BB962C8B-B14F-4D97-AF65-F5344CB8AC3E}">
-        <p14:creationId xmlns="" xmlns:p14="http://schemas.microsoft.com/office/powerpoint/2010/main" val="2036312712"/>
+        <p14:creationId xmlns:p14="http://schemas.microsoft.com/office/powerpoint/2010/main" xmlns="" val="2036312712"/>
       </p:ext>
     </p:extLst>
   </p:cSld>
@@ -13196,7 +13450,7 @@
     </p:spTree>
     <p:extLst>
       <p:ext uri="{BB962C8B-B14F-4D97-AF65-F5344CB8AC3E}">
-        <p14:creationId xmlns="" xmlns:p14="http://schemas.microsoft.com/office/powerpoint/2010/main" val="2036312712"/>
+        <p14:creationId xmlns:p14="http://schemas.microsoft.com/office/powerpoint/2010/main" xmlns="" val="2036312712"/>
       </p:ext>
     </p:extLst>
   </p:cSld>
@@ -13459,7 +13713,7 @@
     </p:spTree>
     <p:extLst>
       <p:ext uri="{BB962C8B-B14F-4D97-AF65-F5344CB8AC3E}">
-        <p14:creationId xmlns="" xmlns:p14="http://schemas.microsoft.com/office/powerpoint/2010/main" val="2036312712"/>
+        <p14:creationId xmlns:p14="http://schemas.microsoft.com/office/powerpoint/2010/main" xmlns="" val="2036312712"/>
       </p:ext>
     </p:extLst>
   </p:cSld>
@@ -13625,10 +13879,10 @@
               </a:lnSpc>
             </a:pPr>
             <a:r>
-              <a:rPr lang="zh-CN" altLang="en-US" dirty="0" smtClean="0"/>
+              <a:rPr lang="zh-CN" altLang="en-US" sz="2400" dirty="0" smtClean="0"/>
               <a:t>逻辑运算符</a:t>
             </a:r>
-            <a:endParaRPr lang="en-US" altLang="zh-CN" dirty="0" smtClean="0"/>
+            <a:endParaRPr lang="en-US" altLang="zh-CN" sz="2400" dirty="0" smtClean="0"/>
           </a:p>
           <a:p>
             <a:pPr>
@@ -13637,7 +13891,7 @@
               </a:lnSpc>
               <a:buNone/>
             </a:pPr>
-            <a:endParaRPr lang="en-US" altLang="zh-CN" dirty="0" smtClean="0"/>
+            <a:endParaRPr lang="en-US" altLang="zh-CN" sz="2400" dirty="0" smtClean="0"/>
           </a:p>
           <a:p>
             <a:pPr lvl="1">
@@ -13648,7 +13902,7 @@
               <a:buChar char="l"/>
             </a:pPr>
             <a:r>
-              <a:rPr lang="en-US" altLang="zh-CN" dirty="0" smtClean="0"/>
+              <a:rPr lang="en-US" altLang="zh-CN" sz="2400" dirty="0" smtClean="0"/>
               <a:t>&amp;&amp;</a:t>
             </a:r>
           </a:p>
@@ -13661,9 +13915,10 @@
               <a:buChar char="l"/>
             </a:pPr>
             <a:r>
-              <a:rPr lang="en-US" altLang="zh-CN" dirty="0" smtClean="0"/>
+              <a:rPr lang="en-US" altLang="zh-CN" sz="2400" dirty="0" smtClean="0"/>
               <a:t>||</a:t>
             </a:r>
+            <a:endParaRPr lang="en-US" altLang="zh-CN" sz="2400" dirty="0" smtClean="0"/>
           </a:p>
           <a:p>
             <a:pPr lvl="1">
@@ -13674,10 +13929,10 @@
               <a:buChar char="l"/>
             </a:pPr>
             <a:r>
-              <a:rPr lang="zh-CN" altLang="en-US" dirty="0" smtClean="0"/>
+              <a:rPr lang="zh-CN" altLang="en-US" sz="2400" dirty="0" smtClean="0"/>
               <a:t>！</a:t>
             </a:r>
-            <a:endParaRPr lang="en-US" altLang="zh-CN" dirty="0" smtClean="0"/>
+            <a:endParaRPr lang="en-US" altLang="zh-CN" sz="2400" dirty="0" smtClean="0"/>
           </a:p>
           <a:p>
             <a:pPr lvl="1">
@@ -13688,9 +13943,10 @@
               <a:buChar char="l"/>
             </a:pPr>
             <a:r>
-              <a:rPr lang="en-US" altLang="zh-CN" dirty="0" smtClean="0"/>
+              <a:rPr lang="en-US" altLang="zh-CN" sz="2400" dirty="0" smtClean="0"/>
               <a:t>^</a:t>
             </a:r>
+            <a:endParaRPr lang="en-US" altLang="zh-CN" sz="2400" dirty="0" smtClean="0"/>
           </a:p>
           <a:p>
             <a:pPr lvl="1">
@@ -13701,20 +13957,52 @@
               <a:buChar char="l"/>
             </a:pPr>
             <a:r>
-              <a:rPr lang="zh-CN" altLang="en-US" dirty="0" smtClean="0"/>
+              <a:rPr lang="zh-CN" altLang="en-US" sz="2400" dirty="0" smtClean="0"/>
               <a:t>选择运算符</a:t>
             </a:r>
             <a:r>
-              <a:rPr lang="en-US" altLang="zh-CN" dirty="0" smtClean="0"/>
-              <a:t> ?: </a:t>
-            </a:r>
+              <a:rPr lang="en-US" altLang="zh-CN" sz="2400" dirty="0" smtClean="0"/>
+              <a:t> </a:t>
+            </a:r>
+            <a:r>
+              <a:rPr lang="en-US" altLang="zh-CN" sz="2400" dirty="0" smtClean="0"/>
+              <a:t> </a:t>
+            </a:r>
+            <a:r>
+              <a:rPr lang="zh-CN" altLang="en-US" sz="2400" dirty="0" smtClean="0"/>
+              <a:t>？</a:t>
+            </a:r>
+            <a:r>
+              <a:rPr lang="en-US" altLang="zh-CN" sz="2400" dirty="0" smtClean="0"/>
+              <a:t>: </a:t>
+            </a:r>
+          </a:p>
+          <a:p>
+            <a:pPr lvl="1">
+              <a:lnSpc>
+                <a:spcPct val="90000"/>
+              </a:lnSpc>
+              <a:buFont typeface="Wingdings" pitchFamily="2" charset="2"/>
+              <a:buChar char="l"/>
+            </a:pPr>
+            <a:endParaRPr lang="en-US" altLang="zh-CN" sz="2400" dirty="0" smtClean="0"/>
+          </a:p>
+          <a:p>
+            <a:pPr lvl="1">
+              <a:lnSpc>
+                <a:spcPct val="90000"/>
+              </a:lnSpc>
+              <a:buFont typeface="Wingdings" pitchFamily="2" charset="2"/>
+              <a:buChar char="l"/>
+            </a:pPr>
+            <a:endParaRPr lang="en-US" altLang="zh-CN" sz="2400" dirty="0" smtClean="0"/>
           </a:p>
         </p:txBody>
       </p:sp>
     </p:spTree>
     <p:extLst>
       <p:ext uri="{BB962C8B-B14F-4D97-AF65-F5344CB8AC3E}">
-        <p14:creationId xmlns="" xmlns:p14="http://schemas.microsoft.com/office/powerpoint/2010/main" val="2036312712"/>
+        <p14:creationId xmlns:p14="http://schemas.microsoft.com/office/powerpoint/2010/main" xmlns="" val="2036312712"/>
       </p:ext>
     </p:extLst>
   </p:cSld>
@@ -13844,7 +14132,7 @@
           <a:p>
             <a:r>
               <a:rPr lang="zh-CN" altLang="en-US" sz="4400" dirty="0" smtClean="0"/>
-              <a:t>语句</a:t>
+              <a:t>运算符</a:t>
             </a:r>
             <a:r>
               <a:rPr lang="en-US" altLang="zh-CN" sz="4400" dirty="0"/>
@@ -13881,7 +14169,7 @@
             </a:pPr>
             <a:r>
               <a:rPr lang="zh-CN" altLang="en-US" sz="2400" dirty="0" smtClean="0"/>
-              <a:t>顺序语句</a:t>
+              <a:t>逻辑运算符</a:t>
             </a:r>
             <a:endParaRPr lang="en-US" altLang="zh-CN" sz="2400" dirty="0" smtClean="0"/>
           </a:p>
@@ -13890,55 +14178,96 @@
               <a:lnSpc>
                 <a:spcPct val="90000"/>
               </a:lnSpc>
+              <a:buNone/>
             </a:pPr>
             <a:endParaRPr lang="en-US" altLang="zh-CN" sz="2400" dirty="0" smtClean="0"/>
           </a:p>
           <a:p>
-            <a:pPr>
+            <a:pPr lvl="1">
               <a:lnSpc>
                 <a:spcPct val="90000"/>
               </a:lnSpc>
+              <a:buFont typeface="Wingdings" pitchFamily="2" charset="2"/>
+              <a:buChar char="l"/>
             </a:pPr>
+            <a:r>
+              <a:rPr lang="zh-CN" altLang="en-US" sz="2400" dirty="0" smtClean="0"/>
+              <a:t>优先级</a:t>
+            </a:r>
             <a:endParaRPr lang="en-US" altLang="zh-CN" sz="2400" dirty="0" smtClean="0"/>
           </a:p>
           <a:p>
-            <a:pPr>
+            <a:pPr lvl="1">
               <a:lnSpc>
                 <a:spcPct val="90000"/>
               </a:lnSpc>
+              <a:buFont typeface="Wingdings" pitchFamily="2" charset="2"/>
+              <a:buChar char="l"/>
             </a:pPr>
-            <a:r>
-              <a:rPr lang="zh-CN" altLang="en-US" sz="2400" dirty="0" smtClean="0"/>
-              <a:t>选择语句</a:t>
-            </a:r>
             <a:endParaRPr lang="en-US" altLang="zh-CN" sz="2400" dirty="0" smtClean="0"/>
           </a:p>
           <a:p>
-            <a:pPr>
+            <a:pPr lvl="1">
               <a:lnSpc>
                 <a:spcPct val="90000"/>
               </a:lnSpc>
+              <a:buFont typeface="Wingdings" pitchFamily="2" charset="2"/>
+              <a:buChar char="l"/>
             </a:pPr>
+            <a:r>
+              <a:rPr lang="zh-CN" altLang="en-US" sz="2400" dirty="0" smtClean="0"/>
+              <a:t>运算顺序</a:t>
+            </a:r>
             <a:endParaRPr lang="en-US" altLang="zh-CN" sz="2400" dirty="0" smtClean="0"/>
           </a:p>
           <a:p>
-            <a:pPr>
+            <a:pPr lvl="1">
               <a:lnSpc>
                 <a:spcPct val="90000"/>
               </a:lnSpc>
+              <a:buFont typeface="Wingdings" pitchFamily="2" charset="2"/>
+              <a:buChar char="l"/>
             </a:pPr>
             <a:endParaRPr lang="en-US" altLang="zh-CN" sz="2400" dirty="0" smtClean="0"/>
           </a:p>
           <a:p>
-            <a:pPr>
+            <a:pPr lvl="1">
               <a:lnSpc>
                 <a:spcPct val="90000"/>
               </a:lnSpc>
+              <a:buFont typeface="Wingdings" pitchFamily="2" charset="2"/>
+              <a:buChar char="l"/>
             </a:pPr>
-            <a:r>
-              <a:rPr lang="zh-CN" altLang="en-US" sz="2400" dirty="0" smtClean="0"/>
-              <a:t>循环语句</a:t>
-            </a:r>
+            <a:endParaRPr lang="en-US" altLang="zh-CN" sz="2400" dirty="0" smtClean="0"/>
+          </a:p>
+          <a:p>
+            <a:pPr lvl="1">
+              <a:lnSpc>
+                <a:spcPct val="90000"/>
+              </a:lnSpc>
+              <a:buFont typeface="Wingdings" pitchFamily="2" charset="2"/>
+              <a:buChar char="l"/>
+            </a:pPr>
+            <a:endParaRPr lang="en-US" altLang="zh-CN" sz="2400" dirty="0" smtClean="0"/>
+          </a:p>
+          <a:p>
+            <a:pPr lvl="1">
+              <a:lnSpc>
+                <a:spcPct val="90000"/>
+              </a:lnSpc>
+              <a:buFont typeface="Wingdings" pitchFamily="2" charset="2"/>
+              <a:buChar char="l"/>
+            </a:pPr>
+            <a:endParaRPr lang="en-US" altLang="zh-CN" sz="2400" dirty="0" smtClean="0"/>
+          </a:p>
+          <a:p>
+            <a:pPr lvl="1">
+              <a:lnSpc>
+                <a:spcPct val="90000"/>
+              </a:lnSpc>
+              <a:buFont typeface="Wingdings" pitchFamily="2" charset="2"/>
+              <a:buChar char="l"/>
+            </a:pPr>
             <a:endParaRPr lang="en-US" altLang="zh-CN" sz="2400" dirty="0" smtClean="0"/>
           </a:p>
         </p:txBody>
@@ -13946,7 +14275,7 @@
     </p:spTree>
     <p:extLst>
       <p:ext uri="{BB962C8B-B14F-4D97-AF65-F5344CB8AC3E}">
-        <p14:creationId xmlns="" xmlns:p14="http://schemas.microsoft.com/office/powerpoint/2010/main" val="2036312712"/>
+        <p14:creationId xmlns:p14="http://schemas.microsoft.com/office/powerpoint/2010/main" xmlns="" val="2036312712"/>
       </p:ext>
     </p:extLst>
   </p:cSld>
@@ -14113,106 +14442,63 @@
             </a:pPr>
             <a:r>
               <a:rPr lang="zh-CN" altLang="en-US" sz="2400" dirty="0" smtClean="0"/>
-              <a:t>选择语句</a:t>
+              <a:t>顺序语句</a:t>
             </a:r>
             <a:endParaRPr lang="en-US" altLang="zh-CN" sz="2400" dirty="0" smtClean="0"/>
           </a:p>
           <a:p>
-            <a:pPr lvl="1">
+            <a:pPr>
               <a:lnSpc>
                 <a:spcPct val="90000"/>
               </a:lnSpc>
-              <a:buFont typeface="Wingdings" pitchFamily="2" charset="2"/>
-              <a:buChar char="l"/>
             </a:pPr>
-            <a:r>
-              <a:rPr lang="zh-CN" altLang="en-US" sz="2400" dirty="0" smtClean="0"/>
-              <a:t>基本格式</a:t>
-            </a:r>
             <a:endParaRPr lang="en-US" altLang="zh-CN" sz="2400" dirty="0" smtClean="0"/>
           </a:p>
           <a:p>
-            <a:pPr lvl="1">
+            <a:pPr>
               <a:lnSpc>
                 <a:spcPct val="90000"/>
               </a:lnSpc>
-              <a:buNone/>
             </a:pPr>
-            <a:r>
-              <a:rPr lang="zh-CN" altLang="en-US" sz="2400" dirty="0" smtClean="0"/>
-              <a:t/>
-            </a:r>
-            <a:br>
-              <a:rPr lang="zh-CN" altLang="en-US" sz="2400" dirty="0" smtClean="0"/>
-            </a:br>
-            <a:r>
-              <a:rPr lang="en-US" altLang="zh-CN" sz="2400" dirty="0" smtClean="0"/>
-              <a:t>if</a:t>
-            </a:r>
-            <a:r>
-              <a:rPr lang="zh-CN" altLang="en-US" sz="2400" dirty="0" smtClean="0"/>
-              <a:t>（表述式）</a:t>
-            </a:r>
-            <a:br>
-              <a:rPr lang="zh-CN" altLang="en-US" sz="2400" dirty="0" smtClean="0"/>
-            </a:br>
-            <a:r>
-              <a:rPr lang="zh-CN" altLang="en-US" sz="2400" dirty="0" smtClean="0"/>
-              <a:t>    语句段１；</a:t>
-            </a:r>
-            <a:r>
-              <a:rPr lang="en-US" altLang="zh-CN" sz="2400" dirty="0" smtClean="0"/>
-              <a:t/>
-            </a:r>
-            <a:br>
-              <a:rPr lang="en-US" altLang="zh-CN" sz="2400" dirty="0" smtClean="0"/>
-            </a:br>
-            <a:r>
-              <a:rPr lang="en-US" altLang="zh-CN" sz="2400" dirty="0" smtClean="0"/>
-              <a:t>else</a:t>
-            </a:r>
-            <a:br>
-              <a:rPr lang="en-US" altLang="zh-CN" sz="2400" dirty="0" smtClean="0"/>
-            </a:br>
-            <a:r>
-              <a:rPr lang="en-US" altLang="zh-CN" sz="2400" dirty="0" smtClean="0"/>
-              <a:t>    </a:t>
-            </a:r>
-            <a:r>
-              <a:rPr lang="zh-CN" altLang="en-US" sz="2400" dirty="0" smtClean="0"/>
-              <a:t>语句段２；</a:t>
-            </a:r>
             <a:endParaRPr lang="en-US" altLang="zh-CN" sz="2400" dirty="0" smtClean="0"/>
           </a:p>
           <a:p>
-            <a:pPr lvl="1">
+            <a:pPr>
               <a:lnSpc>
                 <a:spcPct val="90000"/>
               </a:lnSpc>
-              <a:buFont typeface="Wingdings" pitchFamily="2" charset="2"/>
-              <a:buChar char="l"/>
             </a:pPr>
+            <a:r>
+              <a:rPr lang="zh-CN" altLang="en-US" sz="2400" dirty="0" smtClean="0"/>
+              <a:t>选择语句</a:t>
+            </a:r>
             <a:endParaRPr lang="en-US" altLang="zh-CN" sz="2400" dirty="0" smtClean="0"/>
           </a:p>
           <a:p>
-            <a:pPr lvl="1">
+            <a:pPr>
               <a:lnSpc>
                 <a:spcPct val="90000"/>
               </a:lnSpc>
-              <a:buFont typeface="Wingdings" pitchFamily="2" charset="2"/>
-              <a:buChar char="l"/>
             </a:pPr>
+            <a:endParaRPr lang="en-US" altLang="zh-CN" sz="2400" dirty="0" smtClean="0"/>
+          </a:p>
+          <a:p>
+            <a:pPr>
+              <a:lnSpc>
+                <a:spcPct val="90000"/>
+              </a:lnSpc>
+            </a:pPr>
+            <a:endParaRPr lang="en-US" altLang="zh-CN" sz="2400" dirty="0" smtClean="0"/>
+          </a:p>
+          <a:p>
+            <a:pPr>
+              <a:lnSpc>
+                <a:spcPct val="90000"/>
+              </a:lnSpc>
+            </a:pPr>
             <a:r>
               <a:rPr lang="zh-CN" altLang="en-US" sz="2400" dirty="0" smtClean="0"/>
-              <a:t>功能：若表达式为</a:t>
-            </a:r>
-            <a:r>
-              <a:rPr lang="en-US" altLang="zh-CN" sz="2400" dirty="0" smtClean="0"/>
-              <a:t>true</a:t>
-            </a:r>
-            <a:r>
-              <a:rPr lang="zh-CN" altLang="en-US" sz="2400" dirty="0" smtClean="0"/>
-              <a:t>，则执行语句段１；否则执行语句段２。</a:t>
+              <a:t>循环语句</a:t>
             </a:r>
             <a:endParaRPr lang="en-US" altLang="zh-CN" sz="2400" dirty="0" smtClean="0"/>
           </a:p>
@@ -14221,7 +14507,7 @@
     </p:spTree>
     <p:extLst>
       <p:ext uri="{BB962C8B-B14F-4D97-AF65-F5344CB8AC3E}">
-        <p14:creationId xmlns="" xmlns:p14="http://schemas.microsoft.com/office/powerpoint/2010/main" val="2036312712"/>
+        <p14:creationId xmlns:p14="http://schemas.microsoft.com/office/powerpoint/2010/main" xmlns="" val="2036312712"/>
       </p:ext>
     </p:extLst>
   </p:cSld>
@@ -14387,21 +14673,9 @@
               </a:lnSpc>
             </a:pPr>
             <a:r>
-              <a:rPr lang="en-US" altLang="zh-CN" sz="2400" dirty="0" smtClean="0"/>
-              <a:t>for</a:t>
-            </a:r>
-            <a:r>
               <a:rPr lang="zh-CN" altLang="en-US" sz="2400" dirty="0" smtClean="0"/>
-              <a:t>循环语句</a:t>
-            </a:r>
-            <a:endParaRPr lang="en-US" altLang="zh-CN" sz="2400" dirty="0" smtClean="0"/>
-          </a:p>
-          <a:p>
-            <a:pPr>
-              <a:lnSpc>
-                <a:spcPct val="90000"/>
-              </a:lnSpc>
-            </a:pPr>
+              <a:t>选择语句</a:t>
+            </a:r>
             <a:endParaRPr lang="en-US" altLang="zh-CN" sz="2400" dirty="0" smtClean="0"/>
           </a:p>
           <a:p>
@@ -14434,11 +14708,40 @@
             </a:br>
             <a:r>
               <a:rPr lang="en-US" altLang="zh-CN" sz="2400" dirty="0" smtClean="0"/>
-              <a:t> for</a:t>
+              <a:t>if</a:t>
             </a:r>
             <a:r>
               <a:rPr lang="zh-CN" altLang="en-US" sz="2400" dirty="0" smtClean="0"/>
-              <a:t>（初始化；条件；增量）</a:t>
+              <a:t>（表述式）</a:t>
+            </a:r>
+            <a:br>
+              <a:rPr lang="zh-CN" altLang="en-US" sz="2400" dirty="0" smtClean="0"/>
+            </a:br>
+            <a:r>
+              <a:rPr lang="zh-CN" altLang="en-US" sz="2400" dirty="0" smtClean="0"/>
+              <a:t>    语句段１；</a:t>
+            </a:r>
+            <a:r>
+              <a:rPr lang="en-US" altLang="zh-CN" sz="2400" dirty="0" smtClean="0"/>
+              <a:t/>
+            </a:r>
+            <a:br>
+              <a:rPr lang="en-US" altLang="zh-CN" sz="2400" dirty="0" smtClean="0"/>
+            </a:br>
+            <a:r>
+              <a:rPr lang="en-US" altLang="zh-CN" sz="2400" dirty="0" smtClean="0"/>
+              <a:t>else</a:t>
+            </a:r>
+            <a:br>
+              <a:rPr lang="en-US" altLang="zh-CN" sz="2400" dirty="0" smtClean="0"/>
+            </a:br>
+            <a:r>
+              <a:rPr lang="en-US" altLang="zh-CN" sz="2400" dirty="0" smtClean="0"/>
+              <a:t>    </a:t>
+            </a:r>
+            <a:r>
+              <a:rPr lang="zh-CN" altLang="en-US" sz="2400" dirty="0" smtClean="0"/>
+              <a:t>语句段２；</a:t>
             </a:r>
             <a:endParaRPr lang="en-US" altLang="zh-CN" sz="2400" dirty="0" smtClean="0"/>
           </a:p>
@@ -14462,7 +14765,15 @@
             </a:pPr>
             <a:r>
               <a:rPr lang="zh-CN" altLang="en-US" sz="2400" dirty="0" smtClean="0"/>
-              <a:t>功能：实现条件循环，当条件成立时，执行语句集，否则跳出循环体。</a:t>
+              <a:t>功能：若表达式为</a:t>
+            </a:r>
+            <a:r>
+              <a:rPr lang="en-US" altLang="zh-CN" sz="2400" dirty="0" smtClean="0"/>
+              <a:t>true</a:t>
+            </a:r>
+            <a:r>
+              <a:rPr lang="zh-CN" altLang="en-US" sz="2400" dirty="0" smtClean="0"/>
+              <a:t>，则执行语句段１；否则执行语句段２。</a:t>
             </a:r>
             <a:endParaRPr lang="en-US" altLang="zh-CN" sz="2400" dirty="0" smtClean="0"/>
           </a:p>
@@ -14471,7 +14782,7 @@
     </p:spTree>
     <p:extLst>
       <p:ext uri="{BB962C8B-B14F-4D97-AF65-F5344CB8AC3E}">
-        <p14:creationId xmlns="" xmlns:p14="http://schemas.microsoft.com/office/powerpoint/2010/main" val="2036312712"/>
+        <p14:creationId xmlns:p14="http://schemas.microsoft.com/office/powerpoint/2010/main" xmlns="" val="2036312712"/>
       </p:ext>
     </p:extLst>
   </p:cSld>
@@ -14688,7 +14999,7 @@
     </p:spTree>
     <p:extLst>
       <p:ext uri="{BB962C8B-B14F-4D97-AF65-F5344CB8AC3E}">
-        <p14:creationId xmlns="" xmlns:p14="http://schemas.microsoft.com/office/powerpoint/2010/main" val="1605300514"/>
+        <p14:creationId xmlns:p14="http://schemas.microsoft.com/office/powerpoint/2010/main" xmlns="" val="1605300514"/>
       </p:ext>
     </p:extLst>
   </p:cSld>
@@ -14855,7 +15166,7 @@
             </a:pPr>
             <a:r>
               <a:rPr lang="en-US" altLang="zh-CN" sz="2400" dirty="0" smtClean="0"/>
-              <a:t>while</a:t>
+              <a:t>for</a:t>
             </a:r>
             <a:r>
               <a:rPr lang="zh-CN" altLang="en-US" sz="2400" dirty="0" smtClean="0"/>
@@ -14901,26 +15212,12 @@
             </a:br>
             <a:r>
               <a:rPr lang="en-US" altLang="zh-CN" sz="2400" dirty="0" smtClean="0"/>
-              <a:t> while</a:t>
+              <a:t> for</a:t>
             </a:r>
             <a:r>
               <a:rPr lang="zh-CN" altLang="en-US" sz="2400" dirty="0" smtClean="0"/>
-              <a:t>（条件）</a:t>
-            </a:r>
-            <a:br>
-              <a:rPr lang="zh-CN" altLang="en-US" sz="2400" dirty="0" smtClean="0"/>
-            </a:br>
-            <a:r>
-              <a:rPr lang="en-US" altLang="zh-CN" sz="2400" dirty="0" smtClean="0"/>
-              <a:t>	  </a:t>
-            </a:r>
-            <a:r>
-              <a:rPr lang="zh-CN" altLang="en-US" sz="2400" dirty="0" smtClean="0"/>
-              <a:t>语句集；</a:t>
-            </a:r>
-            <a:br>
-              <a:rPr lang="zh-CN" altLang="en-US" sz="2400" dirty="0" smtClean="0"/>
-            </a:br>
+              <a:t>（初始化；条件；增量）</a:t>
+            </a:r>
             <a:endParaRPr lang="en-US" altLang="zh-CN" sz="2400" dirty="0" smtClean="0"/>
           </a:p>
           <a:p>
@@ -14931,9 +15228,19 @@
               <a:buFont typeface="Wingdings" pitchFamily="2" charset="2"/>
               <a:buChar char="l"/>
             </a:pPr>
+            <a:endParaRPr lang="en-US" altLang="zh-CN" sz="2400" dirty="0" smtClean="0"/>
+          </a:p>
+          <a:p>
+            <a:pPr lvl="1">
+              <a:lnSpc>
+                <a:spcPct val="90000"/>
+              </a:lnSpc>
+              <a:buFont typeface="Wingdings" pitchFamily="2" charset="2"/>
+              <a:buChar char="l"/>
+            </a:pPr>
             <a:r>
               <a:rPr lang="zh-CN" altLang="en-US" sz="2400" dirty="0" smtClean="0"/>
-              <a:t>功能：当条件成立时，执行语句集，否则跳出循环体。</a:t>
+              <a:t>功能：实现条件循环，当条件成立时，执行语句集，否则跳出循环体。</a:t>
             </a:r>
             <a:endParaRPr lang="en-US" altLang="zh-CN" sz="2400" dirty="0" smtClean="0"/>
           </a:p>
@@ -14942,7 +15249,7 @@
     </p:spTree>
     <p:extLst>
       <p:ext uri="{BB962C8B-B14F-4D97-AF65-F5344CB8AC3E}">
-        <p14:creationId xmlns="" xmlns:p14="http://schemas.microsoft.com/office/powerpoint/2010/main" val="2036312712"/>
+        <p14:creationId xmlns:p14="http://schemas.microsoft.com/office/powerpoint/2010/main" xmlns="" val="2036312712"/>
       </p:ext>
     </p:extLst>
   </p:cSld>
@@ -15108,21 +15415,14 @@
               </a:lnSpc>
             </a:pPr>
             <a:r>
+              <a:rPr lang="en-US" altLang="zh-CN" sz="2400" dirty="0" smtClean="0"/>
+              <a:t>while</a:t>
+            </a:r>
+            <a:r>
               <a:rPr lang="zh-CN" altLang="en-US" sz="2400" dirty="0" smtClean="0"/>
-              <a:t>循环语句中的</a:t>
-            </a:r>
-            <a:r>
-              <a:rPr lang="en-US" altLang="zh-CN" sz="2400" dirty="0" smtClean="0"/>
-              <a:t>break</a:t>
-            </a:r>
-            <a:r>
-              <a:rPr lang="zh-CN" altLang="en-US" sz="2400" dirty="0" smtClean="0"/>
-              <a:t>和</a:t>
-            </a:r>
-            <a:r>
-              <a:rPr lang="en-US" altLang="zh-CN" sz="2400" dirty="0" smtClean="0"/>
-              <a:t>continue</a:t>
-            </a:r>
+              <a:t>循环语句</a:t>
+            </a:r>
+            <a:endParaRPr lang="en-US" altLang="zh-CN" sz="2400" dirty="0" smtClean="0"/>
           </a:p>
           <a:p>
             <a:pPr>
@@ -15141,9 +15441,10 @@
               <a:buChar char="l"/>
             </a:pPr>
             <a:r>
-              <a:rPr lang="en-US" altLang="zh-CN" sz="2400" dirty="0" smtClean="0"/>
-              <a:t>break</a:t>
-            </a:r>
+              <a:rPr lang="zh-CN" altLang="en-US" sz="2400" dirty="0" smtClean="0"/>
+              <a:t>基本格式</a:t>
+            </a:r>
+            <a:endParaRPr lang="en-US" altLang="zh-CN" sz="2400" dirty="0" smtClean="0"/>
           </a:p>
           <a:p>
             <a:pPr lvl="1">
@@ -15161,11 +15462,22 @@
             </a:br>
             <a:r>
               <a:rPr lang="en-US" altLang="zh-CN" sz="2400" dirty="0" smtClean="0"/>
-              <a:t> </a:t>
+              <a:t> while</a:t>
             </a:r>
             <a:r>
               <a:rPr lang="zh-CN" altLang="en-US" sz="2400" dirty="0" smtClean="0"/>
-              <a:t>跳出循环</a:t>
+              <a:t>（条件）</a:t>
+            </a:r>
+            <a:br>
+              <a:rPr lang="zh-CN" altLang="en-US" sz="2400" dirty="0" smtClean="0"/>
+            </a:br>
+            <a:r>
+              <a:rPr lang="en-US" altLang="zh-CN" sz="2400" dirty="0" smtClean="0"/>
+              <a:t>	  </a:t>
+            </a:r>
+            <a:r>
+              <a:rPr lang="zh-CN" altLang="en-US" sz="2400" dirty="0" smtClean="0"/>
+              <a:t>语句集；</a:t>
             </a:r>
             <a:br>
               <a:rPr lang="zh-CN" altLang="en-US" sz="2400" dirty="0" smtClean="0"/>
@@ -15181,24 +15493,8 @@
               <a:buChar char="l"/>
             </a:pPr>
             <a:r>
-              <a:rPr lang="en-US" altLang="zh-CN" sz="2400" dirty="0" smtClean="0"/>
-              <a:t>continue</a:t>
-            </a:r>
-          </a:p>
-          <a:p>
-            <a:pPr lvl="1">
-              <a:lnSpc>
-                <a:spcPct val="90000"/>
-              </a:lnSpc>
-              <a:buNone/>
-            </a:pPr>
-            <a:r>
-              <a:rPr lang="en-US" altLang="zh-CN" sz="2400" dirty="0" smtClean="0"/>
-              <a:t>	</a:t>
-            </a:r>
-            <a:r>
               <a:rPr lang="zh-CN" altLang="en-US" sz="2400" dirty="0" smtClean="0"/>
-              <a:t>跳过剩余语句，进入下一循环</a:t>
+              <a:t>功能：当条件成立时，执行语句集，否则跳出循环体。</a:t>
             </a:r>
             <a:endParaRPr lang="en-US" altLang="zh-CN" sz="2400" dirty="0" smtClean="0"/>
           </a:p>
@@ -15207,7 +15503,7 @@
     </p:spTree>
     <p:extLst>
       <p:ext uri="{BB962C8B-B14F-4D97-AF65-F5344CB8AC3E}">
-        <p14:creationId xmlns="" xmlns:p14="http://schemas.microsoft.com/office/powerpoint/2010/main" val="2036312712"/>
+        <p14:creationId xmlns:p14="http://schemas.microsoft.com/office/powerpoint/2010/main" xmlns="" val="2036312712"/>
       </p:ext>
     </p:extLst>
   </p:cSld>
@@ -15336,12 +15632,8 @@
           <a:lstStyle/>
           <a:p>
             <a:r>
-              <a:rPr lang="en-US" altLang="zh-CN" sz="4400" dirty="0" smtClean="0"/>
-              <a:t>JavaScript</a:t>
-            </a:r>
-            <a:r>
               <a:rPr lang="zh-CN" altLang="en-US" sz="4400" dirty="0" smtClean="0"/>
-              <a:t>调试</a:t>
+              <a:t>语句</a:t>
             </a:r>
             <a:r>
               <a:rPr lang="en-US" altLang="zh-CN" sz="4400" dirty="0"/>
@@ -15377,30 +15669,20 @@
               </a:lnSpc>
             </a:pPr>
             <a:r>
+              <a:rPr lang="zh-CN" altLang="en-US" sz="2400" dirty="0" smtClean="0"/>
+              <a:t>循环语句中的</a:t>
+            </a:r>
+            <a:r>
               <a:rPr lang="en-US" altLang="zh-CN" sz="2400" dirty="0" smtClean="0"/>
-              <a:t>Console Tab</a:t>
-            </a:r>
-          </a:p>
-          <a:p>
-            <a:pPr lvl="1">
-              <a:lnSpc>
-                <a:spcPct val="90000"/>
-              </a:lnSpc>
-            </a:pPr>
+              <a:t>break</a:t>
+            </a:r>
+            <a:r>
+              <a:rPr lang="zh-CN" altLang="en-US" sz="2400" dirty="0" smtClean="0"/>
+              <a:t>和</a:t>
+            </a:r>
             <a:r>
               <a:rPr lang="en-US" altLang="zh-CN" sz="2400" dirty="0" smtClean="0"/>
-              <a:t>categories</a:t>
-            </a:r>
-          </a:p>
-          <a:p>
-            <a:pPr lvl="1">
-              <a:lnSpc>
-                <a:spcPct val="90000"/>
-              </a:lnSpc>
-            </a:pPr>
-            <a:r>
-              <a:rPr lang="en-US" altLang="zh-CN" sz="2400" dirty="0" smtClean="0"/>
-              <a:t>execute</a:t>
+              <a:t>continue</a:t>
             </a:r>
           </a:p>
           <a:p>
@@ -15410,17 +15692,6 @@
               </a:lnSpc>
             </a:pPr>
             <a:endParaRPr lang="en-US" altLang="zh-CN" sz="2400" dirty="0" smtClean="0"/>
-          </a:p>
-          <a:p>
-            <a:pPr>
-              <a:lnSpc>
-                <a:spcPct val="90000"/>
-              </a:lnSpc>
-            </a:pPr>
-            <a:r>
-              <a:rPr lang="en-US" altLang="zh-CN" sz="2400" dirty="0" smtClean="0"/>
-              <a:t> Script Tab</a:t>
-            </a:r>
           </a:p>
           <a:p>
             <a:pPr lvl="1">
@@ -15432,8 +15703,35 @@
             </a:pPr>
             <a:r>
               <a:rPr lang="en-US" altLang="zh-CN" sz="2400" dirty="0" smtClean="0"/>
-              <a:t>Break point</a:t>
-            </a:r>
+              <a:t>break</a:t>
+            </a:r>
+          </a:p>
+          <a:p>
+            <a:pPr lvl="1">
+              <a:lnSpc>
+                <a:spcPct val="90000"/>
+              </a:lnSpc>
+              <a:buNone/>
+            </a:pPr>
+            <a:r>
+              <a:rPr lang="zh-CN" altLang="en-US" sz="2400" dirty="0" smtClean="0"/>
+              <a:t/>
+            </a:r>
+            <a:br>
+              <a:rPr lang="zh-CN" altLang="en-US" sz="2400" dirty="0" smtClean="0"/>
+            </a:br>
+            <a:r>
+              <a:rPr lang="en-US" altLang="zh-CN" sz="2400" dirty="0" smtClean="0"/>
+              <a:t> </a:t>
+            </a:r>
+            <a:r>
+              <a:rPr lang="zh-CN" altLang="en-US" sz="2400" dirty="0" smtClean="0"/>
+              <a:t>跳出循环</a:t>
+            </a:r>
+            <a:br>
+              <a:rPr lang="zh-CN" altLang="en-US" sz="2400" dirty="0" smtClean="0"/>
+            </a:br>
+            <a:endParaRPr lang="en-US" altLang="zh-CN" sz="2400" dirty="0" smtClean="0"/>
           </a:p>
           <a:p>
             <a:pPr lvl="1">
@@ -15445,7 +15743,7 @@
             </a:pPr>
             <a:r>
               <a:rPr lang="en-US" altLang="zh-CN" sz="2400" dirty="0" smtClean="0"/>
-              <a:t>call stack</a:t>
+              <a:t>continue</a:t>
             </a:r>
           </a:p>
           <a:p>
@@ -15453,20 +15751,24 @@
               <a:lnSpc>
                 <a:spcPct val="90000"/>
               </a:lnSpc>
-              <a:buFont typeface="Wingdings" pitchFamily="2" charset="2"/>
-              <a:buChar char="l"/>
+              <a:buNone/>
             </a:pPr>
             <a:r>
               <a:rPr lang="en-US" altLang="zh-CN" sz="2400" dirty="0" smtClean="0"/>
-              <a:t>watch</a:t>
-            </a:r>
+              <a:t>	</a:t>
+            </a:r>
+            <a:r>
+              <a:rPr lang="zh-CN" altLang="en-US" sz="2400" dirty="0" smtClean="0"/>
+              <a:t>跳过剩余语句，进入下一循环</a:t>
+            </a:r>
+            <a:endParaRPr lang="en-US" altLang="zh-CN" sz="2400" dirty="0" smtClean="0"/>
           </a:p>
         </p:txBody>
       </p:sp>
     </p:spTree>
     <p:extLst>
       <p:ext uri="{BB962C8B-B14F-4D97-AF65-F5344CB8AC3E}">
-        <p14:creationId xmlns="" xmlns:p14="http://schemas.microsoft.com/office/powerpoint/2010/main" val="2036312712"/>
+        <p14:creationId xmlns:p14="http://schemas.microsoft.com/office/powerpoint/2010/main" xmlns="" val="2036312712"/>
       </p:ext>
     </p:extLst>
   </p:cSld>
@@ -15595,8 +15897,12 @@
           <a:lstStyle/>
           <a:p>
             <a:r>
+              <a:rPr lang="en-US" altLang="zh-CN" sz="4400" dirty="0" smtClean="0"/>
+              <a:t>JavaScript</a:t>
+            </a:r>
+            <a:r>
               <a:rPr lang="zh-CN" altLang="en-US" sz="4400" dirty="0" smtClean="0"/>
-              <a:t>函数</a:t>
+              <a:t>调试</a:t>
             </a:r>
             <a:r>
               <a:rPr lang="en-US" altLang="zh-CN" sz="4400" dirty="0"/>
@@ -15630,25 +15936,55 @@
               <a:lnSpc>
                 <a:spcPct val="90000"/>
               </a:lnSpc>
-              <a:buNone/>
             </a:pPr>
             <a:r>
-              <a:rPr lang="zh-CN" altLang="en-US" sz="2400" dirty="0" smtClean="0"/>
-              <a:t>程序逻辑过于复杂时，根据所要完成的功能，将程序划分为一些相对独立的部分，每部分编写一个函数。</a:t>
-            </a:r>
-            <a:endParaRPr lang="en-US" altLang="zh-CN" sz="2400" dirty="0" smtClean="0"/>
+              <a:rPr lang="en-US" altLang="zh-CN" sz="2400" dirty="0" smtClean="0"/>
+              <a:t>Console Tab</a:t>
+            </a:r>
+          </a:p>
+          <a:p>
+            <a:pPr lvl="1">
+              <a:lnSpc>
+                <a:spcPct val="90000"/>
+              </a:lnSpc>
+            </a:pPr>
+            <a:r>
+              <a:rPr lang="en-US" altLang="zh-CN" sz="2400" dirty="0" smtClean="0"/>
+              <a:t>categories</a:t>
+            </a:r>
+          </a:p>
+          <a:p>
+            <a:pPr lvl="1">
+              <a:lnSpc>
+                <a:spcPct val="90000"/>
+              </a:lnSpc>
+            </a:pPr>
+            <a:r>
+              <a:rPr lang="en-US" altLang="zh-CN" sz="2400" dirty="0" smtClean="0"/>
+              <a:t>execute</a:t>
+            </a:r>
           </a:p>
           <a:p>
             <a:pPr>
               <a:lnSpc>
                 <a:spcPct val="90000"/>
               </a:lnSpc>
-              <a:buNone/>
             </a:pPr>
             <a:endParaRPr lang="en-US" altLang="zh-CN" sz="2400" dirty="0" smtClean="0"/>
           </a:p>
           <a:p>
             <a:pPr>
+              <a:lnSpc>
+                <a:spcPct val="90000"/>
+              </a:lnSpc>
+            </a:pPr>
+            <a:r>
+              <a:rPr lang="en-US" altLang="zh-CN" sz="2400" dirty="0" smtClean="0"/>
+              <a:t> Script Tab</a:t>
+            </a:r>
+          </a:p>
+          <a:p>
+            <a:pPr lvl="1">
               <a:lnSpc>
                 <a:spcPct val="90000"/>
               </a:lnSpc>
@@ -15656,13 +15992,12 @@
               <a:buChar char="l"/>
             </a:pPr>
             <a:r>
-              <a:rPr lang="zh-CN" altLang="en-US" sz="2400" dirty="0" smtClean="0"/>
-              <a:t>任务单一，逻辑清晰</a:t>
-            </a:r>
-            <a:endParaRPr lang="en-US" altLang="zh-CN" sz="2400" dirty="0" smtClean="0"/>
-          </a:p>
-          <a:p>
-            <a:pPr>
+              <a:rPr lang="en-US" altLang="zh-CN" sz="2400" dirty="0" smtClean="0"/>
+              <a:t>Break point</a:t>
+            </a:r>
+          </a:p>
+          <a:p>
+            <a:pPr lvl="1">
               <a:lnSpc>
                 <a:spcPct val="90000"/>
               </a:lnSpc>
@@ -15670,13 +16005,12 @@
               <a:buChar char="l"/>
             </a:pPr>
             <a:r>
-              <a:rPr lang="zh-CN" altLang="en-US" sz="2400" dirty="0" smtClean="0"/>
-              <a:t>易读、易维护。</a:t>
-            </a:r>
-            <a:endParaRPr lang="en-US" altLang="zh-CN" sz="2400" dirty="0" smtClean="0"/>
-          </a:p>
-          <a:p>
-            <a:pPr>
+              <a:rPr lang="en-US" altLang="zh-CN" sz="2400" dirty="0" smtClean="0"/>
+              <a:t>call stack</a:t>
+            </a:r>
+          </a:p>
+          <a:p>
+            <a:pPr lvl="1">
               <a:lnSpc>
                 <a:spcPct val="90000"/>
               </a:lnSpc>
@@ -15684,17 +16018,16 @@
               <a:buChar char="l"/>
             </a:pPr>
             <a:r>
-              <a:rPr lang="zh-CN" altLang="en-US" sz="2400" dirty="0" smtClean="0"/>
-              <a:t>可复用</a:t>
-            </a:r>
-            <a:endParaRPr lang="en-US" altLang="zh-CN" sz="2400" dirty="0" smtClean="0"/>
+              <a:rPr lang="en-US" altLang="zh-CN" sz="2400" dirty="0" smtClean="0"/>
+              <a:t>watch</a:t>
+            </a:r>
           </a:p>
         </p:txBody>
       </p:sp>
     </p:spTree>
     <p:extLst>
       <p:ext uri="{BB962C8B-B14F-4D97-AF65-F5344CB8AC3E}">
-        <p14:creationId xmlns="" xmlns:p14="http://schemas.microsoft.com/office/powerpoint/2010/main" val="2036312712"/>
+        <p14:creationId xmlns:p14="http://schemas.microsoft.com/office/powerpoint/2010/main" xmlns="" val="2036312712"/>
       </p:ext>
     </p:extLst>
   </p:cSld>
@@ -15824,7 +16157,7 @@
           <a:p>
             <a:r>
               <a:rPr lang="zh-CN" altLang="en-US" sz="4400" dirty="0" smtClean="0"/>
-              <a:t>函数的参数</a:t>
+              <a:t>函数</a:t>
             </a:r>
             <a:r>
               <a:rPr lang="en-US" altLang="zh-CN" sz="4400" dirty="0"/>
@@ -15853,6 +16186,19 @@
             <a:normAutofit/>
           </a:bodyPr>
           <a:lstStyle/>
+          <a:p>
+            <a:pPr>
+              <a:lnSpc>
+                <a:spcPct val="90000"/>
+              </a:lnSpc>
+              <a:buNone/>
+            </a:pPr>
+            <a:r>
+              <a:rPr lang="zh-CN" altLang="en-US" sz="2400" dirty="0" smtClean="0"/>
+              <a:t>程序逻辑过于复杂时，根据所要完成的功能，将程序划分为一些相对独立的部分，每部分编写一个函数。</a:t>
+            </a:r>
+            <a:endParaRPr lang="en-US" altLang="zh-CN" sz="2400" dirty="0" smtClean="0"/>
+          </a:p>
           <a:p>
             <a:pPr>
               <a:lnSpc>
@@ -15872,18 +16218,9 @@
             </a:pPr>
             <a:r>
               <a:rPr lang="zh-CN" altLang="en-US" sz="2400" dirty="0" smtClean="0"/>
-              <a:t>参数列表</a:t>
+              <a:t>任务单一，逻辑清晰</a:t>
             </a:r>
             <a:endParaRPr lang="en-US" altLang="zh-CN" sz="2400" dirty="0" smtClean="0"/>
-          </a:p>
-          <a:p>
-            <a:pPr lvl="1">
-              <a:lnSpc>
-                <a:spcPct val="90000"/>
-              </a:lnSpc>
-              <a:buNone/>
-            </a:pPr>
-            <a:endParaRPr lang="en-US" altLang="zh-CN" sz="2200" dirty="0" smtClean="0"/>
           </a:p>
           <a:p>
             <a:pPr>
@@ -15893,6 +16230,10 @@
               <a:buFont typeface="Wingdings" pitchFamily="2" charset="2"/>
               <a:buChar char="l"/>
             </a:pPr>
+            <a:r>
+              <a:rPr lang="zh-CN" altLang="en-US" sz="2400" dirty="0" smtClean="0"/>
+              <a:t>易读、易维护。</a:t>
+            </a:r>
             <a:endParaRPr lang="en-US" altLang="zh-CN" sz="2400" dirty="0" smtClean="0"/>
           </a:p>
           <a:p>
@@ -15904,22 +16245,9 @@
               <a:buChar char="l"/>
             </a:pPr>
             <a:r>
-              <a:rPr lang="en-US" altLang="zh-CN" sz="2400" dirty="0" smtClean="0"/>
-              <a:t>argument</a:t>
-            </a:r>
-            <a:r>
               <a:rPr lang="zh-CN" altLang="en-US" sz="2400" dirty="0" smtClean="0"/>
-              <a:t>关键字</a:t>
-            </a:r>
-            <a:endParaRPr lang="en-US" altLang="zh-CN" sz="2400" dirty="0" smtClean="0"/>
-          </a:p>
-          <a:p>
-            <a:pPr>
-              <a:lnSpc>
-                <a:spcPct val="90000"/>
-              </a:lnSpc>
-              <a:buNone/>
-            </a:pPr>
+              <a:t>可复用</a:t>
+            </a:r>
             <a:endParaRPr lang="en-US" altLang="zh-CN" sz="2400" dirty="0" smtClean="0"/>
           </a:p>
         </p:txBody>
@@ -15927,7 +16255,7 @@
     </p:spTree>
     <p:extLst>
       <p:ext uri="{BB962C8B-B14F-4D97-AF65-F5344CB8AC3E}">
-        <p14:creationId xmlns="" xmlns:p14="http://schemas.microsoft.com/office/powerpoint/2010/main" val="2036312712"/>
+        <p14:creationId xmlns:p14="http://schemas.microsoft.com/office/powerpoint/2010/main" xmlns="" val="2036312712"/>
       </p:ext>
     </p:extLst>
   </p:cSld>
@@ -16057,7 +16385,7 @@
           <a:p>
             <a:r>
               <a:rPr lang="zh-CN" altLang="en-US" sz="4400" dirty="0" smtClean="0"/>
-              <a:t>函数的使用</a:t>
+              <a:t>函数的参数</a:t>
             </a:r>
             <a:r>
               <a:rPr lang="en-US" altLang="zh-CN" sz="4400" dirty="0"/>
@@ -16104,14 +16432,19 @@
               <a:buChar char="l"/>
             </a:pPr>
             <a:r>
-              <a:rPr lang="en-US" altLang="zh-CN" sz="2400" dirty="0" smtClean="0"/>
-              <a:t>return</a:t>
-            </a:r>
-            <a:r>
               <a:rPr lang="zh-CN" altLang="en-US" sz="2400" dirty="0" smtClean="0"/>
-              <a:t>值</a:t>
+              <a:t>参数列表</a:t>
             </a:r>
             <a:endParaRPr lang="en-US" altLang="zh-CN" sz="2400" dirty="0" smtClean="0"/>
+          </a:p>
+          <a:p>
+            <a:pPr lvl="1">
+              <a:lnSpc>
+                <a:spcPct val="90000"/>
+              </a:lnSpc>
+              <a:buNone/>
+            </a:pPr>
+            <a:endParaRPr lang="en-US" altLang="zh-CN" sz="2200" dirty="0" smtClean="0"/>
           </a:p>
           <a:p>
             <a:pPr>
@@ -16132,8 +16465,12 @@
               <a:buChar char="l"/>
             </a:pPr>
             <a:r>
+              <a:rPr lang="en-US" altLang="zh-CN" sz="2400" dirty="0" smtClean="0"/>
+              <a:t>argument</a:t>
+            </a:r>
+            <a:r>
               <a:rPr lang="zh-CN" altLang="en-US" sz="2400" dirty="0" smtClean="0"/>
-              <a:t>事件</a:t>
+              <a:t>关键字</a:t>
             </a:r>
             <a:endParaRPr lang="en-US" altLang="zh-CN" sz="2400" dirty="0" smtClean="0"/>
           </a:p>
@@ -16146,58 +16483,12 @@
             </a:pPr>
             <a:endParaRPr lang="en-US" altLang="zh-CN" sz="2400" dirty="0" smtClean="0"/>
           </a:p>
-          <a:p>
-            <a:pPr>
-              <a:lnSpc>
-                <a:spcPct val="90000"/>
-              </a:lnSpc>
-              <a:buFont typeface="Wingdings" pitchFamily="2" charset="2"/>
-              <a:buChar char="l"/>
-            </a:pPr>
-            <a:r>
-              <a:rPr lang="en-US" altLang="zh-CN" sz="2400" dirty="0" smtClean="0"/>
-              <a:t>apply</a:t>
-            </a:r>
-            <a:r>
-              <a:rPr lang="zh-CN" altLang="en-US" sz="2400" dirty="0" smtClean="0"/>
-              <a:t>调用方式</a:t>
-            </a:r>
-            <a:endParaRPr lang="en-US" altLang="zh-CN" sz="2400" dirty="0" smtClean="0"/>
-          </a:p>
-          <a:p>
-            <a:pPr>
-              <a:lnSpc>
-                <a:spcPct val="90000"/>
-              </a:lnSpc>
-              <a:buFont typeface="Wingdings" pitchFamily="2" charset="2"/>
-              <a:buChar char="l"/>
-            </a:pPr>
-            <a:endParaRPr lang="en-US" altLang="zh-CN" sz="2400" dirty="0" smtClean="0"/>
-          </a:p>
-          <a:p>
-            <a:pPr>
-              <a:lnSpc>
-                <a:spcPct val="90000"/>
-              </a:lnSpc>
-              <a:buFont typeface="Wingdings" pitchFamily="2" charset="2"/>
-              <a:buChar char="l"/>
-            </a:pPr>
-            <a:r>
-              <a:rPr lang="en-US" altLang="zh-CN" sz="2400" dirty="0" smtClean="0"/>
-              <a:t>new</a:t>
-            </a:r>
-            <a:r>
-              <a:rPr lang="zh-CN" altLang="en-US" sz="2400" dirty="0" smtClean="0"/>
-              <a:t>调用方式</a:t>
-            </a:r>
-            <a:endParaRPr lang="en-US" altLang="zh-CN" sz="2400" dirty="0" smtClean="0"/>
-          </a:p>
         </p:txBody>
       </p:sp>
     </p:spTree>
     <p:extLst>
       <p:ext uri="{BB962C8B-B14F-4D97-AF65-F5344CB8AC3E}">
-        <p14:creationId xmlns="" xmlns:p14="http://schemas.microsoft.com/office/powerpoint/2010/main" val="2036312712"/>
+        <p14:creationId xmlns:p14="http://schemas.microsoft.com/office/powerpoint/2010/main" xmlns="" val="2036312712"/>
       </p:ext>
     </p:extLst>
   </p:cSld>
@@ -16327,19 +16618,15 @@
           <a:p>
             <a:r>
               <a:rPr lang="zh-CN" altLang="en-US" sz="4400" dirty="0" smtClean="0"/>
-              <a:t>对象</a:t>
-            </a:r>
-            <a:r>
-              <a:rPr lang="en-US" altLang="zh-CN" sz="4400" dirty="0" smtClean="0"/>
+              <a:t>函数的使用</a:t>
+            </a:r>
+            <a:r>
+              <a:rPr lang="en-US" altLang="zh-CN" sz="4400" dirty="0"/>
               <a:t/>
             </a:r>
             <a:br>
-              <a:rPr lang="en-US" altLang="zh-CN" sz="4400" dirty="0" smtClean="0"/>
+              <a:rPr lang="en-US" altLang="zh-CN" sz="4400" dirty="0"/>
             </a:br>
-            <a:r>
-              <a:rPr lang="en-US" altLang="zh-CN" sz="4400" dirty="0" smtClean="0"/>
-              <a:t>			</a:t>
-            </a:r>
             <a:endParaRPr lang="en-US" dirty="0"/>
           </a:p>
         </p:txBody>
@@ -16360,6 +16647,15 @@
             <a:normAutofit/>
           </a:bodyPr>
           <a:lstStyle/>
+          <a:p>
+            <a:pPr>
+              <a:lnSpc>
+                <a:spcPct val="90000"/>
+              </a:lnSpc>
+              <a:buNone/>
+            </a:pPr>
+            <a:endParaRPr lang="en-US" altLang="zh-CN" sz="2400" dirty="0" smtClean="0"/>
+          </a:p>
           <a:p>
             <a:pPr>
               <a:lnSpc>
@@ -16369,8 +16665,12 @@
               <a:buChar char="l"/>
             </a:pPr>
             <a:r>
+              <a:rPr lang="en-US" altLang="zh-CN" sz="2400" dirty="0" smtClean="0"/>
+              <a:t>return</a:t>
+            </a:r>
+            <a:r>
               <a:rPr lang="zh-CN" altLang="en-US" sz="2400" dirty="0" smtClean="0"/>
-              <a:t>键值对集合</a:t>
+              <a:t>值</a:t>
             </a:r>
             <a:endParaRPr lang="en-US" altLang="zh-CN" sz="2400" dirty="0" smtClean="0"/>
           </a:p>
@@ -16393,9 +16693,37 @@
               <a:buChar char="l"/>
             </a:pPr>
             <a:r>
+              <a:rPr lang="zh-CN" altLang="en-US" sz="2400" dirty="0" smtClean="0"/>
+              <a:t>事件</a:t>
+            </a:r>
+            <a:endParaRPr lang="en-US" altLang="zh-CN" sz="2400" dirty="0" smtClean="0"/>
+          </a:p>
+          <a:p>
+            <a:pPr>
+              <a:lnSpc>
+                <a:spcPct val="90000"/>
+              </a:lnSpc>
+              <a:buNone/>
+            </a:pPr>
+            <a:endParaRPr lang="en-US" altLang="zh-CN" sz="2400" dirty="0" smtClean="0"/>
+          </a:p>
+          <a:p>
+            <a:pPr>
+              <a:lnSpc>
+                <a:spcPct val="90000"/>
+              </a:lnSpc>
+              <a:buFont typeface="Wingdings" pitchFamily="2" charset="2"/>
+              <a:buChar char="l"/>
+            </a:pPr>
+            <a:r>
               <a:rPr lang="en-US" altLang="zh-CN" sz="2400" dirty="0" smtClean="0"/>
-              <a:t>Object</a:t>
-            </a:r>
+              <a:t>apply</a:t>
+            </a:r>
+            <a:r>
+              <a:rPr lang="zh-CN" altLang="en-US" sz="2400" dirty="0" smtClean="0"/>
+              <a:t>调用方式</a:t>
+            </a:r>
+            <a:endParaRPr lang="en-US" altLang="zh-CN" sz="2400" dirty="0" smtClean="0"/>
           </a:p>
           <a:p>
             <a:pPr>
@@ -16417,15 +16745,20 @@
             </a:pPr>
             <a:r>
               <a:rPr lang="en-US" altLang="zh-CN" sz="2400" dirty="0" smtClean="0"/>
-              <a:t>JSON</a:t>
-            </a:r>
+              <a:t>new</a:t>
+            </a:r>
+            <a:r>
+              <a:rPr lang="zh-CN" altLang="en-US" sz="2400" dirty="0" smtClean="0"/>
+              <a:t>调用方式</a:t>
+            </a:r>
+            <a:endParaRPr lang="en-US" altLang="zh-CN" sz="2400" dirty="0" smtClean="0"/>
           </a:p>
         </p:txBody>
       </p:sp>
     </p:spTree>
     <p:extLst>
       <p:ext uri="{BB962C8B-B14F-4D97-AF65-F5344CB8AC3E}">
-        <p14:creationId xmlns="" xmlns:p14="http://schemas.microsoft.com/office/powerpoint/2010/main" val="2036312712"/>
+        <p14:creationId xmlns:p14="http://schemas.microsoft.com/office/powerpoint/2010/main" xmlns="" val="2036312712"/>
       </p:ext>
     </p:extLst>
   </p:cSld>
@@ -16554,20 +16887,16 @@
           <a:lstStyle/>
           <a:p>
             <a:r>
-              <a:rPr lang="zh-CN" altLang="en-US" sz="4400" smtClean="0"/>
-              <a:t>对象的属性</a:t>
-            </a:r>
-            <a:r>
-              <a:rPr lang="en-US" altLang="zh-CN" sz="4400" dirty="0" smtClean="0"/>
+              <a:rPr lang="zh-CN" altLang="en-US" sz="4400" dirty="0" smtClean="0"/>
+              <a:t>常用事件</a:t>
+            </a:r>
+            <a:r>
+              <a:rPr lang="en-US" altLang="zh-CN" sz="4400" dirty="0"/>
               <a:t/>
             </a:r>
             <a:br>
-              <a:rPr lang="en-US" altLang="zh-CN" sz="4400" dirty="0" smtClean="0"/>
+              <a:rPr lang="en-US" altLang="zh-CN" sz="4400" dirty="0"/>
             </a:br>
-            <a:r>
-              <a:rPr lang="en-US" altLang="zh-CN" sz="4400" dirty="0" smtClean="0"/>
-              <a:t>			</a:t>
-            </a:r>
             <a:endParaRPr lang="en-US" dirty="0"/>
           </a:p>
         </p:txBody>
@@ -16591,83 +16920,92 @@
           <a:p>
             <a:r>
               <a:rPr lang="zh-CN" altLang="en-US" sz="2400" dirty="0" smtClean="0"/>
-              <a:t>使用点（</a:t>
+              <a:t>单击事件</a:t>
+            </a:r>
+            <a:r>
+              <a:rPr lang="en-US" altLang="zh-CN" sz="2400" dirty="0" err="1" smtClean="0"/>
+              <a:t>onClick</a:t>
+            </a:r>
+            <a:endParaRPr lang="en-US" altLang="zh-CN" sz="2400" dirty="0" smtClean="0"/>
+          </a:p>
+          <a:p>
+            <a:r>
+              <a:rPr lang="zh-CN" altLang="en-US" sz="2400" dirty="0" smtClean="0"/>
+              <a:t>改变事件 </a:t>
+            </a:r>
+            <a:r>
+              <a:rPr lang="en-US" altLang="zh-CN" sz="2400" dirty="0" err="1" smtClean="0"/>
+              <a:t>onChange</a:t>
+            </a:r>
+            <a:endParaRPr lang="zh-CN" altLang="en-US" sz="2400" dirty="0" smtClean="0"/>
+          </a:p>
+          <a:p>
+            <a:r>
+              <a:rPr lang="zh-CN" altLang="en-US" sz="2400" dirty="0" smtClean="0"/>
+              <a:t>选中事件</a:t>
+            </a:r>
+            <a:r>
+              <a:rPr lang="en-US" altLang="zh-CN" sz="2400" dirty="0" err="1" smtClean="0"/>
+              <a:t>onSelect</a:t>
             </a:r>
             <a:r>
               <a:rPr lang="en-US" altLang="zh-CN" sz="2400" dirty="0" smtClean="0"/>
-              <a:t>.</a:t>
-            </a:r>
+              <a:t> </a:t>
+            </a:r>
+          </a:p>
+          <a:p>
             <a:r>
               <a:rPr lang="zh-CN" altLang="en-US" sz="2400" dirty="0" smtClean="0"/>
-              <a:t>）运算符</a:t>
+              <a:t>获得焦点事件</a:t>
+            </a:r>
+            <a:r>
+              <a:rPr lang="en-US" altLang="zh-CN" sz="2400" dirty="0" err="1" smtClean="0"/>
+              <a:t>onFocus</a:t>
+            </a:r>
+            <a:endParaRPr lang="en-US" altLang="zh-CN" sz="2400" dirty="0" smtClean="0"/>
+          </a:p>
+          <a:p>
+            <a:r>
+              <a:rPr lang="zh-CN" altLang="en-US" sz="2400" dirty="0" smtClean="0"/>
+              <a:t>失去焦点</a:t>
+            </a:r>
+            <a:r>
+              <a:rPr lang="en-US" altLang="zh-CN" sz="2400" dirty="0" err="1" smtClean="0"/>
+              <a:t>onBlur</a:t>
+            </a:r>
+            <a:endParaRPr lang="en-US" altLang="zh-CN" sz="2400" dirty="0" smtClean="0"/>
+          </a:p>
+          <a:p>
+            <a:r>
+              <a:rPr lang="zh-CN" altLang="en-US" sz="2400" dirty="0" smtClean="0"/>
+              <a:t>载入文件</a:t>
+            </a:r>
+            <a:r>
+              <a:rPr lang="en-US" altLang="zh-CN" sz="2400" dirty="0" err="1" smtClean="0"/>
+              <a:t>onLoad</a:t>
             </a:r>
             <a:r>
               <a:rPr lang="en-US" altLang="zh-CN" sz="2400" dirty="0" smtClean="0"/>
-              <a:t>: city.name=</a:t>
-            </a:r>
-            <a:r>
-              <a:rPr lang="en-US" altLang="zh-CN" sz="2400" dirty="0" smtClean="0">
-                <a:latin typeface="Arial" charset="0"/>
-              </a:rPr>
-              <a:t>“Shanghai</a:t>
-            </a:r>
-            <a:r>
-              <a:rPr lang="zh-CN" altLang="en-US" sz="2400" dirty="0" smtClean="0">
-                <a:latin typeface="Arial" charset="0"/>
-              </a:rPr>
-              <a:t>”</a:t>
-            </a:r>
+              <a:t> </a:t>
+            </a:r>
+          </a:p>
+          <a:p>
             <a:r>
               <a:rPr lang="zh-CN" altLang="en-US" sz="2400" dirty="0" smtClean="0"/>
-              <a:t> </a:t>
+              <a:t>卸载文件</a:t>
+            </a:r>
+            <a:r>
+              <a:rPr lang="en-US" altLang="zh-CN" sz="2400" dirty="0" err="1" smtClean="0"/>
+              <a:t>onUnload</a:t>
             </a:r>
             <a:endParaRPr lang="en-US" altLang="zh-CN" sz="2400" dirty="0" smtClean="0"/>
-          </a:p>
-          <a:p>
-            <a:pPr>
-              <a:buNone/>
-            </a:pPr>
-            <a:endParaRPr lang="en-US" altLang="zh-CN" sz="2400" dirty="0" smtClean="0"/>
-          </a:p>
-          <a:p>
-            <a:endParaRPr lang="en-US" altLang="zh-CN" sz="2400" dirty="0" smtClean="0"/>
-          </a:p>
-          <a:p>
-            <a:endParaRPr lang="en-US" altLang="zh-CN" sz="2400" dirty="0" smtClean="0"/>
-          </a:p>
-          <a:p>
-            <a:r>
-              <a:rPr lang="zh-CN" altLang="en-US" sz="2400" dirty="0" smtClean="0"/>
-              <a:t>通过字符串的形式调用 </a:t>
-            </a:r>
-            <a:r>
-              <a:rPr lang="en-US" altLang="zh-CN" sz="2400" dirty="0" smtClean="0"/>
-              <a:t>: city[“Name”]=</a:t>
-            </a:r>
-            <a:r>
-              <a:rPr lang="en-US" altLang="zh-CN" sz="2400" dirty="0" smtClean="0">
-                <a:latin typeface="Arial" charset="0"/>
-              </a:rPr>
-              <a:t>“</a:t>
-            </a:r>
-            <a:r>
-              <a:rPr lang="zh-CN" altLang="en-US" sz="2400" dirty="0" smtClean="0">
-                <a:latin typeface="Arial" charset="0"/>
-              </a:rPr>
-              <a:t>上海”</a:t>
-            </a:r>
-            <a:r>
-              <a:rPr lang="zh-CN" altLang="en-US" sz="2400" dirty="0" smtClean="0"/>
-              <a:t> </a:t>
-            </a:r>
           </a:p>
           <a:p>
             <a:pPr>
               <a:lnSpc>
                 <a:spcPct val="90000"/>
               </a:lnSpc>
-              <a:buFont typeface="Wingdings" pitchFamily="2" charset="2"/>
-              <a:buChar char="l"/>
+              <a:buNone/>
             </a:pPr>
             <a:endParaRPr lang="en-US" altLang="zh-CN" sz="2400" dirty="0" smtClean="0"/>
           </a:p>
@@ -16676,7 +17014,7 @@
     </p:spTree>
     <p:extLst>
       <p:ext uri="{BB962C8B-B14F-4D97-AF65-F5344CB8AC3E}">
-        <p14:creationId xmlns="" xmlns:p14="http://schemas.microsoft.com/office/powerpoint/2010/main" val="2036312712"/>
+        <p14:creationId xmlns:p14="http://schemas.microsoft.com/office/powerpoint/2010/main" xmlns="" val="2036312712"/>
       </p:ext>
     </p:extLst>
   </p:cSld>
@@ -16806,62 +17144,34 @@
           <a:p>
             <a:r>
               <a:rPr lang="zh-CN" altLang="en-US" sz="4400" dirty="0" smtClean="0"/>
-              <a:t>练习：</a:t>
-            </a:r>
-            <a:r>
-              <a:rPr lang="en-US" sz="4400" dirty="0" smtClean="0"/>
-              <a:t>Fibonacci sequence</a:t>
-            </a:r>
-            <a:r>
-              <a:rPr lang="en-US" altLang="zh-CN" sz="4400" dirty="0"/>
+              <a:t>对象</a:t>
+            </a:r>
+            <a:r>
+              <a:rPr lang="en-US" altLang="zh-CN" sz="4400" dirty="0" smtClean="0"/>
               <a:t/>
             </a:r>
             <a:br>
-              <a:rPr lang="en-US" altLang="zh-CN" sz="4400" dirty="0"/>
+              <a:rPr lang="en-US" altLang="zh-CN" sz="4400" dirty="0" smtClean="0"/>
             </a:br>
+            <a:r>
+              <a:rPr lang="en-US" altLang="zh-CN" sz="4400" dirty="0" smtClean="0"/>
+              <a:t>			</a:t>
+            </a:r>
             <a:endParaRPr lang="en-US" dirty="0"/>
           </a:p>
         </p:txBody>
       </p:sp>
-      <p:pic>
-        <p:nvPicPr>
-          <p:cNvPr id="4" name="内容占位符 3" descr="fb.jpg"/>
-          <p:cNvPicPr>
-            <a:picLocks noGrp="1" noChangeAspect="1"/>
-          </p:cNvPicPr>
-          <p:nvPr>
-            <p:ph sz="half" idx="1"/>
-          </p:nvPr>
-        </p:nvPicPr>
-        <p:blipFill>
-          <a:blip r:embed="rId3"/>
-          <a:stretch>
-            <a:fillRect/>
-          </a:stretch>
-        </p:blipFill>
-        <p:spPr>
-          <a:xfrm>
-            <a:off x="1293811" y="2253298"/>
-            <a:ext cx="5571754" cy="4200245"/>
-          </a:xfrm>
-        </p:spPr>
-      </p:pic>
-      <p:sp>
-        <p:nvSpPr>
-          <p:cNvPr id="5" name="内容占位符 4"/>
-          <p:cNvSpPr>
-            <a:spLocks noGrp="1"/>
-          </p:cNvSpPr>
-          <p:nvPr>
-            <p:ph sz="half" idx="2"/>
-          </p:nvPr>
-        </p:nvSpPr>
-        <p:spPr>
-          <a:xfrm>
-            <a:off x="8362950" y="2743202"/>
-            <a:ext cx="3600450" cy="2706408"/>
-          </a:xfrm>
-        </p:spPr>
+      <p:sp>
+        <p:nvSpPr>
+          <p:cNvPr id="7" name="Rectangle 3"/>
+          <p:cNvSpPr>
+            <a:spLocks noGrp="1" noChangeArrowheads="1"/>
+          </p:cNvSpPr>
+          <p:nvPr>
+            <p:ph idx="1"/>
+          </p:nvPr>
+        </p:nvSpPr>
+        <p:spPr/>
         <p:txBody>
           <a:bodyPr>
             <a:normAutofit/>
@@ -16869,52 +17179,98 @@
           <a:lstStyle/>
           <a:p>
             <a:pPr>
-              <a:buNone/>
+              <a:lnSpc>
+                <a:spcPct val="90000"/>
+              </a:lnSpc>
+              <a:buFont typeface="Wingdings" pitchFamily="2" charset="2"/>
+              <a:buChar char="l"/>
             </a:pPr>
-            <a:endParaRPr lang="en-US" altLang="zh-CN" sz="4400" dirty="0" smtClean="0"/>
+            <a:r>
+              <a:rPr lang="zh-CN" altLang="en-US" sz="2400" dirty="0" smtClean="0"/>
+              <a:t>键值对集合</a:t>
+            </a:r>
+            <a:endParaRPr lang="en-US" altLang="zh-CN" sz="2400" dirty="0" smtClean="0"/>
           </a:p>
           <a:p>
             <a:pPr>
-              <a:buNone/>
+              <a:lnSpc>
+                <a:spcPct val="90000"/>
+              </a:lnSpc>
+              <a:buFont typeface="Wingdings" pitchFamily="2" charset="2"/>
+              <a:buChar char="l"/>
             </a:pPr>
-            <a:endParaRPr lang="en-US" altLang="zh-CN" sz="4400" dirty="0" smtClean="0"/>
+            <a:endParaRPr lang="en-US" altLang="zh-CN" sz="2400" dirty="0" smtClean="0"/>
           </a:p>
           <a:p>
             <a:pPr>
-              <a:buNone/>
+              <a:lnSpc>
+                <a:spcPct val="90000"/>
+              </a:lnSpc>
+              <a:buFont typeface="Wingdings" pitchFamily="2" charset="2"/>
+              <a:buChar char="l"/>
             </a:pPr>
             <a:r>
-              <a:rPr lang="en-US" altLang="zh-CN" sz="4400" dirty="0" smtClean="0"/>
-              <a:t>F</a:t>
-            </a:r>
-            <a:r>
-              <a:rPr lang="zh-CN" altLang="en-US" sz="4400" dirty="0" smtClean="0"/>
-              <a:t>（</a:t>
-            </a:r>
-            <a:r>
-              <a:rPr lang="en-US" altLang="zh-CN" sz="4400" dirty="0" smtClean="0"/>
-              <a:t>10</a:t>
-            </a:r>
-            <a:r>
-              <a:rPr lang="zh-CN" altLang="en-US" sz="4400" dirty="0" smtClean="0"/>
-              <a:t>）</a:t>
-            </a:r>
-            <a:r>
-              <a:rPr lang="en-US" altLang="zh-CN" sz="4400" dirty="0" smtClean="0"/>
-              <a:t>=</a:t>
-            </a:r>
-            <a:r>
-              <a:rPr lang="zh-CN" altLang="en-US" sz="4400" dirty="0" smtClean="0"/>
-              <a:t>？</a:t>
-            </a:r>
-            <a:endParaRPr lang="zh-CN" altLang="en-US" sz="4400" dirty="0"/>
+              <a:rPr lang="en-US" altLang="zh-CN" sz="2400" dirty="0" smtClean="0"/>
+              <a:t>Object</a:t>
+            </a:r>
+          </a:p>
+          <a:p>
+            <a:pPr>
+              <a:lnSpc>
+                <a:spcPct val="90000"/>
+              </a:lnSpc>
+              <a:buFont typeface="Wingdings" pitchFamily="2" charset="2"/>
+              <a:buChar char="l"/>
+            </a:pPr>
+            <a:endParaRPr lang="en-US" altLang="zh-CN" sz="2400" dirty="0" smtClean="0"/>
+          </a:p>
+          <a:p>
+            <a:pPr>
+              <a:lnSpc>
+                <a:spcPct val="90000"/>
+              </a:lnSpc>
+              <a:buFont typeface="Wingdings" pitchFamily="2" charset="2"/>
+              <a:buChar char="l"/>
+            </a:pPr>
+            <a:r>
+              <a:rPr lang="en-US" altLang="zh-CN" sz="2400" dirty="0" smtClean="0"/>
+              <a:t>JSON</a:t>
+            </a:r>
+          </a:p>
+          <a:p>
+            <a:pPr>
+              <a:lnSpc>
+                <a:spcPct val="90000"/>
+              </a:lnSpc>
+              <a:buFont typeface="Wingdings" pitchFamily="2" charset="2"/>
+              <a:buChar char="l"/>
+            </a:pPr>
+            <a:endParaRPr lang="en-US" altLang="zh-CN" sz="2400" dirty="0" smtClean="0"/>
+          </a:p>
+          <a:p>
+            <a:pPr>
+              <a:lnSpc>
+                <a:spcPct val="90000"/>
+              </a:lnSpc>
+              <a:buFont typeface="Wingdings" pitchFamily="2" charset="2"/>
+              <a:buChar char="l"/>
+            </a:pPr>
+            <a:r>
+              <a:rPr lang="en-US" altLang="zh-CN" sz="2400" dirty="0" smtClean="0"/>
+              <a:t>JavaScript</a:t>
+            </a:r>
+            <a:r>
+              <a:rPr lang="zh-CN" altLang="en-US" sz="2400" dirty="0" smtClean="0"/>
+              <a:t>的弱类型</a:t>
+            </a:r>
+            <a:endParaRPr lang="en-US" altLang="zh-CN" sz="2400" dirty="0" smtClean="0"/>
           </a:p>
         </p:txBody>
       </p:sp>
     </p:spTree>
     <p:extLst>
       <p:ext uri="{BB962C8B-B14F-4D97-AF65-F5344CB8AC3E}">
-        <p14:creationId xmlns="" xmlns:p14="http://schemas.microsoft.com/office/powerpoint/2010/main" val="2036312712"/>
+        <p14:creationId xmlns:p14="http://schemas.microsoft.com/office/powerpoint/2010/main" xmlns="" val="2036312712"/>
       </p:ext>
     </p:extLst>
   </p:cSld>
@@ -17044,46 +17400,115 @@
           <a:p>
             <a:r>
               <a:rPr lang="zh-CN" altLang="en-US" sz="4400" dirty="0" smtClean="0"/>
-              <a:t>引申问题：</a:t>
-            </a:r>
-            <a:r>
-              <a:rPr lang="en-US" altLang="zh-CN" sz="4400" dirty="0"/>
+              <a:t>对象</a:t>
+            </a:r>
+            <a:r>
+              <a:rPr lang="en-US" altLang="zh-CN" sz="4400" dirty="0" smtClean="0"/>
               <a:t/>
             </a:r>
             <a:br>
-              <a:rPr lang="en-US" altLang="zh-CN" sz="4400" dirty="0"/>
+              <a:rPr lang="en-US" altLang="zh-CN" sz="4400" dirty="0" smtClean="0"/>
             </a:br>
+            <a:r>
+              <a:rPr lang="en-US" altLang="zh-CN" sz="4400" dirty="0" smtClean="0"/>
+              <a:t>			</a:t>
+            </a:r>
             <a:endParaRPr lang="en-US" dirty="0"/>
           </a:p>
         </p:txBody>
       </p:sp>
-      <p:pic>
-        <p:nvPicPr>
-          <p:cNvPr id="10" name="内容占位符 9" descr="image.php.jpg"/>
-          <p:cNvPicPr>
-            <a:picLocks noGrp="1" noChangeAspect="1"/>
-          </p:cNvPicPr>
+      <p:sp>
+        <p:nvSpPr>
+          <p:cNvPr id="7" name="Rectangle 3"/>
+          <p:cNvSpPr>
+            <a:spLocks noGrp="1" noChangeArrowheads="1"/>
+          </p:cNvSpPr>
           <p:nvPr>
             <p:ph idx="1"/>
           </p:nvPr>
-        </p:nvPicPr>
-        <p:blipFill>
-          <a:blip r:embed="rId3"/>
-          <a:stretch>
-            <a:fillRect/>
-          </a:stretch>
-        </p:blipFill>
-        <p:spPr>
-          <a:xfrm>
-            <a:off x="2022920" y="1620679"/>
-            <a:ext cx="8027914" cy="4337552"/>
-          </a:xfrm>
-        </p:spPr>
-      </p:pic>
+        </p:nvSpPr>
+        <p:spPr/>
+        <p:txBody>
+          <a:bodyPr>
+            <a:normAutofit/>
+          </a:bodyPr>
+          <a:lstStyle/>
+          <a:p>
+            <a:pPr>
+              <a:lnSpc>
+                <a:spcPct val="90000"/>
+              </a:lnSpc>
+              <a:buFont typeface="Wingdings" pitchFamily="2" charset="2"/>
+              <a:buChar char="l"/>
+            </a:pPr>
+            <a:r>
+              <a:rPr lang="zh-CN" altLang="en-US" sz="2400" dirty="0" smtClean="0"/>
+              <a:t>无序的集合</a:t>
+            </a:r>
+            <a:endParaRPr lang="en-US" altLang="zh-CN" sz="2400" dirty="0" smtClean="0"/>
+          </a:p>
+          <a:p>
+            <a:pPr>
+              <a:lnSpc>
+                <a:spcPct val="90000"/>
+              </a:lnSpc>
+              <a:buFont typeface="Wingdings" pitchFamily="2" charset="2"/>
+              <a:buChar char="l"/>
+            </a:pPr>
+            <a:endParaRPr lang="en-US" altLang="zh-CN" sz="2400" dirty="0" smtClean="0"/>
+          </a:p>
+          <a:p>
+            <a:pPr>
+              <a:lnSpc>
+                <a:spcPct val="90000"/>
+              </a:lnSpc>
+              <a:buFont typeface="Wingdings" pitchFamily="2" charset="2"/>
+              <a:buChar char="l"/>
+            </a:pPr>
+            <a:r>
+              <a:rPr lang="zh-CN" altLang="en-US" sz="2400" dirty="0" smtClean="0"/>
+              <a:t>可多层嵌套</a:t>
+            </a:r>
+            <a:endParaRPr lang="en-US" altLang="zh-CN" sz="2400" dirty="0" smtClean="0"/>
+          </a:p>
+          <a:p>
+            <a:pPr>
+              <a:lnSpc>
+                <a:spcPct val="90000"/>
+              </a:lnSpc>
+              <a:buFont typeface="Wingdings" pitchFamily="2" charset="2"/>
+              <a:buChar char="l"/>
+            </a:pPr>
+            <a:endParaRPr lang="en-US" altLang="zh-CN" sz="2400" dirty="0" smtClean="0"/>
+          </a:p>
+          <a:p>
+            <a:pPr>
+              <a:lnSpc>
+                <a:spcPct val="90000"/>
+              </a:lnSpc>
+              <a:buFont typeface="Wingdings" pitchFamily="2" charset="2"/>
+              <a:buChar char="l"/>
+            </a:pPr>
+            <a:r>
+              <a:rPr lang="en-US" altLang="zh-CN" sz="2400" dirty="0" smtClean="0"/>
+              <a:t>property</a:t>
+            </a:r>
+            <a:r>
+              <a:rPr lang="zh-CN" altLang="en-US" sz="2400" dirty="0" smtClean="0"/>
+              <a:t>与</a:t>
+            </a:r>
+            <a:r>
+              <a:rPr lang="en-US" altLang="zh-CN" sz="2400" dirty="0" smtClean="0"/>
+              <a:t>method</a:t>
+            </a:r>
+            <a:endParaRPr lang="en-US" altLang="zh-CN" sz="2400" dirty="0" smtClean="0"/>
+          </a:p>
+        </p:txBody>
+      </p:sp>
     </p:spTree>
     <p:extLst>
       <p:ext uri="{BB962C8B-B14F-4D97-AF65-F5344CB8AC3E}">
-        <p14:creationId xmlns="" xmlns:p14="http://schemas.microsoft.com/office/powerpoint/2010/main" val="2036312712"/>
+        <p14:creationId xmlns:p14="http://schemas.microsoft.com/office/powerpoint/2010/main" xmlns="" val="2036312712"/>
       </p:ext>
     </p:extLst>
   </p:cSld>
@@ -17278,7 +17703,7 @@
           <a:blip r:embed="rId3">
             <a:extLst>
               <a:ext uri="{28A0092B-C50C-407E-A947-70E740481C1C}">
-                <a14:useLocalDpi xmlns="" xmlns:a14="http://schemas.microsoft.com/office/drawing/2010/main" val="0"/>
+                <a14:useLocalDpi xmlns:a14="http://schemas.microsoft.com/office/drawing/2010/main" xmlns="" val="0"/>
               </a:ext>
             </a:extLst>
           </a:blip>
@@ -17299,7 +17724,682 @@
     </p:spTree>
     <p:extLst>
       <p:ext uri="{BB962C8B-B14F-4D97-AF65-F5344CB8AC3E}">
-        <p14:creationId xmlns="" xmlns:p14="http://schemas.microsoft.com/office/powerpoint/2010/main" val="602579535"/>
+        <p14:creationId xmlns:p14="http://schemas.microsoft.com/office/powerpoint/2010/main" xmlns="" val="602579535"/>
+      </p:ext>
+    </p:extLst>
+  </p:cSld>
+  <p:clrMapOvr>
+    <a:masterClrMapping/>
+  </p:clrMapOvr>
+  <p:timing>
+    <p:tnLst>
+      <p:par>
+        <p:cTn id="1" dur="indefinite" restart="never" nodeType="tmRoot">
+          <p:childTnLst>
+            <p:seq concurrent="1" nextAc="seek">
+              <p:cTn id="2" dur="indefinite" nodeType="mainSeq">
+                <p:childTnLst>
+                  <p:par>
+                    <p:cTn id="3" fill="hold">
+                      <p:stCondLst>
+                        <p:cond delay="indefinite"/>
+                      </p:stCondLst>
+                      <p:childTnLst>
+                        <p:par>
+                          <p:cTn id="4" fill="hold">
+                            <p:stCondLst>
+                              <p:cond delay="0"/>
+                            </p:stCondLst>
+                            <p:childTnLst>
+                              <p:par>
+                                <p:cTn id="5" presetID="5" presetClass="entr" presetSubtype="10" fill="hold" grpId="0" nodeType="clickEffect">
+                                  <p:stCondLst>
+                                    <p:cond delay="0"/>
+                                  </p:stCondLst>
+                                  <p:childTnLst>
+                                    <p:set>
+                                      <p:cBhvr>
+                                        <p:cTn id="6" dur="1" fill="hold">
+                                          <p:stCondLst>
+                                            <p:cond delay="0"/>
+                                          </p:stCondLst>
+                                        </p:cTn>
+                                        <p:tgtEl>
+                                          <p:spTgt spid="9"/>
+                                        </p:tgtEl>
+                                        <p:attrNameLst>
+                                          <p:attrName>style.visibility</p:attrName>
+                                        </p:attrNameLst>
+                                      </p:cBhvr>
+                                      <p:to>
+                                        <p:strVal val="visible"/>
+                                      </p:to>
+                                    </p:set>
+                                    <p:animEffect transition="in" filter="checkerboard(across)">
+                                      <p:cBhvr>
+                                        <p:cTn id="7" dur="500"/>
+                                        <p:tgtEl>
+                                          <p:spTgt spid="9"/>
+                                        </p:tgtEl>
+                                      </p:cBhvr>
+                                    </p:animEffect>
+                                  </p:childTnLst>
+                                </p:cTn>
+                              </p:par>
+                            </p:childTnLst>
+                          </p:cTn>
+                        </p:par>
+                      </p:childTnLst>
+                    </p:cTn>
+                  </p:par>
+                </p:childTnLst>
+              </p:cTn>
+              <p:prevCondLst>
+                <p:cond evt="onPrev" delay="0">
+                  <p:tgtEl>
+                    <p:sldTgt/>
+                  </p:tgtEl>
+                </p:cond>
+              </p:prevCondLst>
+              <p:nextCondLst>
+                <p:cond evt="onNext" delay="0">
+                  <p:tgtEl>
+                    <p:sldTgt/>
+                  </p:tgtEl>
+                </p:cond>
+              </p:nextCondLst>
+            </p:seq>
+          </p:childTnLst>
+        </p:cTn>
+      </p:par>
+    </p:tnLst>
+    <p:bldLst>
+      <p:bldP spid="9" grpId="0"/>
+    </p:bldLst>
+  </p:timing>
+</p:sld>
+</file>
+
+<file path=ppt/slides/slide30.xml><?xml version="1.0" encoding="utf-8"?>
+<p:sld xmlns:a="http://schemas.openxmlformats.org/drawingml/2006/main" xmlns:r="http://schemas.openxmlformats.org/officeDocument/2006/relationships" xmlns:p="http://schemas.openxmlformats.org/presentationml/2006/main">
+  <p:cSld>
+    <p:spTree>
+      <p:nvGrpSpPr>
+        <p:cNvPr id="1" name=""/>
+        <p:cNvGrpSpPr/>
+        <p:nvPr/>
+      </p:nvGrpSpPr>
+      <p:grpSpPr>
+        <a:xfrm>
+          <a:off x="0" y="0"/>
+          <a:ext cx="0" cy="0"/>
+          <a:chOff x="0" y="0"/>
+          <a:chExt cx="0" cy="0"/>
+        </a:xfrm>
+      </p:grpSpPr>
+      <p:sp>
+        <p:nvSpPr>
+          <p:cNvPr id="9" name="Title 8"/>
+          <p:cNvSpPr>
+            <a:spLocks noGrp="1"/>
+          </p:cNvSpPr>
+          <p:nvPr>
+            <p:ph type="title"/>
+          </p:nvPr>
+        </p:nvSpPr>
+        <p:spPr/>
+        <p:txBody>
+          <a:bodyPr/>
+          <a:lstStyle/>
+          <a:p>
+            <a:r>
+              <a:rPr lang="zh-CN" altLang="en-US" sz="4400" dirty="0" smtClean="0"/>
+              <a:t>对象</a:t>
+            </a:r>
+            <a:r>
+              <a:rPr lang="zh-CN" altLang="en-US" sz="4400" dirty="0" smtClean="0"/>
+              <a:t>的</a:t>
+            </a:r>
+            <a:r>
+              <a:rPr lang="zh-CN" altLang="en-US" sz="4400" dirty="0" smtClean="0"/>
+              <a:t>读取</a:t>
+            </a:r>
+            <a:r>
+              <a:rPr lang="en-US" altLang="zh-CN" sz="4400" dirty="0" smtClean="0"/>
+              <a:t/>
+            </a:r>
+            <a:br>
+              <a:rPr lang="en-US" altLang="zh-CN" sz="4400" dirty="0" smtClean="0"/>
+            </a:br>
+            <a:r>
+              <a:rPr lang="en-US" altLang="zh-CN" sz="4400" dirty="0" smtClean="0"/>
+              <a:t>			</a:t>
+            </a:r>
+            <a:endParaRPr lang="en-US" dirty="0"/>
+          </a:p>
+        </p:txBody>
+      </p:sp>
+      <p:sp>
+        <p:nvSpPr>
+          <p:cNvPr id="7" name="Rectangle 3"/>
+          <p:cNvSpPr>
+            <a:spLocks noGrp="1" noChangeArrowheads="1"/>
+          </p:cNvSpPr>
+          <p:nvPr>
+            <p:ph idx="1"/>
+          </p:nvPr>
+        </p:nvSpPr>
+        <p:spPr/>
+        <p:txBody>
+          <a:bodyPr>
+            <a:normAutofit/>
+          </a:bodyPr>
+          <a:lstStyle/>
+          <a:p>
+            <a:r>
+              <a:rPr lang="zh-CN" altLang="en-US" sz="2400" dirty="0" smtClean="0"/>
+              <a:t>使用点（</a:t>
+            </a:r>
+            <a:r>
+              <a:rPr lang="en-US" altLang="zh-CN" sz="2400" dirty="0" smtClean="0"/>
+              <a:t>.</a:t>
+            </a:r>
+            <a:r>
+              <a:rPr lang="zh-CN" altLang="en-US" sz="2400" dirty="0" smtClean="0"/>
+              <a:t>）运算符</a:t>
+            </a:r>
+            <a:r>
+              <a:rPr lang="en-US" altLang="zh-CN" sz="2400" dirty="0" smtClean="0"/>
+              <a:t>: city.name</a:t>
+            </a:r>
+            <a:r>
+              <a:rPr lang="en-US" altLang="zh-CN" sz="2400" dirty="0" smtClean="0"/>
+              <a:t>=</a:t>
+            </a:r>
+            <a:r>
+              <a:rPr lang="en-US" altLang="zh-CN" sz="2400" dirty="0" smtClean="0">
+                <a:latin typeface="Arial" charset="0"/>
+              </a:rPr>
+              <a:t>“</a:t>
+            </a:r>
+            <a:r>
+              <a:rPr lang="zh-CN" altLang="en-US" sz="2400" dirty="0" smtClean="0">
+                <a:latin typeface="Arial" charset="0"/>
+              </a:rPr>
+              <a:t>上海”</a:t>
+            </a:r>
+            <a:r>
+              <a:rPr lang="zh-CN" altLang="en-US" sz="2400" dirty="0" smtClean="0"/>
+              <a:t> </a:t>
+            </a:r>
+            <a:endParaRPr lang="en-US" altLang="zh-CN" sz="2400" dirty="0" smtClean="0"/>
+          </a:p>
+          <a:p>
+            <a:pPr>
+              <a:buNone/>
+            </a:pPr>
+            <a:endParaRPr lang="en-US" altLang="zh-CN" sz="2400" dirty="0" smtClean="0"/>
+          </a:p>
+          <a:p>
+            <a:endParaRPr lang="en-US" altLang="zh-CN" sz="2400" dirty="0" smtClean="0"/>
+          </a:p>
+          <a:p>
+            <a:endParaRPr lang="en-US" altLang="zh-CN" sz="2400" dirty="0" smtClean="0"/>
+          </a:p>
+          <a:p>
+            <a:r>
+              <a:rPr lang="zh-CN" altLang="en-US" sz="2400" dirty="0" smtClean="0"/>
+              <a:t>通过字符串的形式调用 </a:t>
+            </a:r>
+            <a:r>
+              <a:rPr lang="en-US" altLang="zh-CN" sz="2400" dirty="0" smtClean="0"/>
+              <a:t>: city[“Name</a:t>
+            </a:r>
+            <a:r>
+              <a:rPr lang="en-US" altLang="zh-CN" sz="2400" dirty="0" smtClean="0"/>
+              <a:t>”]=</a:t>
+            </a:r>
+            <a:r>
+              <a:rPr lang="en-US" altLang="zh-CN" sz="2400" dirty="0" smtClean="0">
+                <a:latin typeface="Arial" charset="0"/>
+              </a:rPr>
+              <a:t>“</a:t>
+            </a:r>
+            <a:r>
+              <a:rPr lang="zh-CN" altLang="en-US" sz="2400" dirty="0" smtClean="0">
+                <a:latin typeface="Arial" charset="0"/>
+              </a:rPr>
+              <a:t>上海”</a:t>
+            </a:r>
+            <a:r>
+              <a:rPr lang="zh-CN" altLang="en-US" sz="2400" dirty="0" smtClean="0"/>
+              <a:t> </a:t>
+            </a:r>
+            <a:endParaRPr lang="zh-CN" altLang="en-US" sz="2400" dirty="0" smtClean="0"/>
+          </a:p>
+          <a:p>
+            <a:pPr>
+              <a:lnSpc>
+                <a:spcPct val="90000"/>
+              </a:lnSpc>
+              <a:buFont typeface="Wingdings" pitchFamily="2" charset="2"/>
+              <a:buChar char="l"/>
+            </a:pPr>
+            <a:endParaRPr lang="en-US" altLang="zh-CN" sz="2400" dirty="0" smtClean="0"/>
+          </a:p>
+        </p:txBody>
+      </p:sp>
+    </p:spTree>
+    <p:extLst>
+      <p:ext uri="{BB962C8B-B14F-4D97-AF65-F5344CB8AC3E}">
+        <p14:creationId xmlns:p14="http://schemas.microsoft.com/office/powerpoint/2010/main" xmlns="" val="2036312712"/>
+      </p:ext>
+    </p:extLst>
+  </p:cSld>
+  <p:clrMapOvr>
+    <a:masterClrMapping/>
+  </p:clrMapOvr>
+  <p:timing>
+    <p:tnLst>
+      <p:par>
+        <p:cTn id="1" dur="indefinite" restart="never" nodeType="tmRoot">
+          <p:childTnLst>
+            <p:seq concurrent="1" nextAc="seek">
+              <p:cTn id="2" dur="indefinite" nodeType="mainSeq">
+                <p:childTnLst>
+                  <p:par>
+                    <p:cTn id="3" fill="hold">
+                      <p:stCondLst>
+                        <p:cond delay="indefinite"/>
+                      </p:stCondLst>
+                      <p:childTnLst>
+                        <p:par>
+                          <p:cTn id="4" fill="hold">
+                            <p:stCondLst>
+                              <p:cond delay="0"/>
+                            </p:stCondLst>
+                            <p:childTnLst>
+                              <p:par>
+                                <p:cTn id="5" presetID="5" presetClass="entr" presetSubtype="10" fill="hold" grpId="0" nodeType="clickEffect">
+                                  <p:stCondLst>
+                                    <p:cond delay="0"/>
+                                  </p:stCondLst>
+                                  <p:childTnLst>
+                                    <p:set>
+                                      <p:cBhvr>
+                                        <p:cTn id="6" dur="1" fill="hold">
+                                          <p:stCondLst>
+                                            <p:cond delay="0"/>
+                                          </p:stCondLst>
+                                        </p:cTn>
+                                        <p:tgtEl>
+                                          <p:spTgt spid="9"/>
+                                        </p:tgtEl>
+                                        <p:attrNameLst>
+                                          <p:attrName>style.visibility</p:attrName>
+                                        </p:attrNameLst>
+                                      </p:cBhvr>
+                                      <p:to>
+                                        <p:strVal val="visible"/>
+                                      </p:to>
+                                    </p:set>
+                                    <p:animEffect transition="in" filter="checkerboard(across)">
+                                      <p:cBhvr>
+                                        <p:cTn id="7" dur="500"/>
+                                        <p:tgtEl>
+                                          <p:spTgt spid="9"/>
+                                        </p:tgtEl>
+                                      </p:cBhvr>
+                                    </p:animEffect>
+                                  </p:childTnLst>
+                                </p:cTn>
+                              </p:par>
+                            </p:childTnLst>
+                          </p:cTn>
+                        </p:par>
+                      </p:childTnLst>
+                    </p:cTn>
+                  </p:par>
+                </p:childTnLst>
+              </p:cTn>
+              <p:prevCondLst>
+                <p:cond evt="onPrev" delay="0">
+                  <p:tgtEl>
+                    <p:sldTgt/>
+                  </p:tgtEl>
+                </p:cond>
+              </p:prevCondLst>
+              <p:nextCondLst>
+                <p:cond evt="onNext" delay="0">
+                  <p:tgtEl>
+                    <p:sldTgt/>
+                  </p:tgtEl>
+                </p:cond>
+              </p:nextCondLst>
+            </p:seq>
+          </p:childTnLst>
+        </p:cTn>
+      </p:par>
+    </p:tnLst>
+    <p:bldLst>
+      <p:bldP spid="9" grpId="0"/>
+    </p:bldLst>
+  </p:timing>
+</p:sld>
+</file>
+
+<file path=ppt/slides/slide31.xml><?xml version="1.0" encoding="utf-8"?>
+<p:sld xmlns:a="http://schemas.openxmlformats.org/drawingml/2006/main" xmlns:r="http://schemas.openxmlformats.org/officeDocument/2006/relationships" xmlns:p="http://schemas.openxmlformats.org/presentationml/2006/main">
+  <p:cSld>
+    <p:spTree>
+      <p:nvGrpSpPr>
+        <p:cNvPr id="1" name=""/>
+        <p:cNvGrpSpPr/>
+        <p:nvPr/>
+      </p:nvGrpSpPr>
+      <p:grpSpPr>
+        <a:xfrm>
+          <a:off x="0" y="0"/>
+          <a:ext cx="0" cy="0"/>
+          <a:chOff x="0" y="0"/>
+          <a:chExt cx="0" cy="0"/>
+        </a:xfrm>
+      </p:grpSpPr>
+      <p:sp>
+        <p:nvSpPr>
+          <p:cNvPr id="9" name="Title 8"/>
+          <p:cNvSpPr>
+            <a:spLocks noGrp="1"/>
+          </p:cNvSpPr>
+          <p:nvPr>
+            <p:ph type="title"/>
+          </p:nvPr>
+        </p:nvSpPr>
+        <p:spPr/>
+        <p:txBody>
+          <a:bodyPr/>
+          <a:lstStyle/>
+          <a:p>
+            <a:r>
+              <a:rPr lang="zh-CN" altLang="en-US" sz="4400" dirty="0" smtClean="0"/>
+              <a:t>练习：</a:t>
+            </a:r>
+            <a:r>
+              <a:rPr lang="en-US" sz="4400" dirty="0" smtClean="0"/>
+              <a:t>Fibonacci sequence</a:t>
+            </a:r>
+            <a:r>
+              <a:rPr lang="en-US" altLang="zh-CN" sz="4400" dirty="0"/>
+              <a:t/>
+            </a:r>
+            <a:br>
+              <a:rPr lang="en-US" altLang="zh-CN" sz="4400" dirty="0"/>
+            </a:br>
+            <a:endParaRPr lang="en-US" dirty="0"/>
+          </a:p>
+        </p:txBody>
+      </p:sp>
+      <p:pic>
+        <p:nvPicPr>
+          <p:cNvPr id="4" name="内容占位符 3" descr="fb.jpg"/>
+          <p:cNvPicPr>
+            <a:picLocks noGrp="1" noChangeAspect="1"/>
+          </p:cNvPicPr>
+          <p:nvPr>
+            <p:ph sz="half" idx="1"/>
+          </p:nvPr>
+        </p:nvPicPr>
+        <p:blipFill>
+          <a:blip r:embed="rId3"/>
+          <a:stretch>
+            <a:fillRect/>
+          </a:stretch>
+        </p:blipFill>
+        <p:spPr>
+          <a:xfrm>
+            <a:off x="1293811" y="2253298"/>
+            <a:ext cx="5571754" cy="4200245"/>
+          </a:xfrm>
+        </p:spPr>
+      </p:pic>
+      <p:sp>
+        <p:nvSpPr>
+          <p:cNvPr id="5" name="内容占位符 4"/>
+          <p:cNvSpPr>
+            <a:spLocks noGrp="1"/>
+          </p:cNvSpPr>
+          <p:nvPr>
+            <p:ph sz="half" idx="2"/>
+          </p:nvPr>
+        </p:nvSpPr>
+        <p:spPr>
+          <a:xfrm>
+            <a:off x="8362950" y="2743202"/>
+            <a:ext cx="3600450" cy="2706408"/>
+          </a:xfrm>
+        </p:spPr>
+        <p:txBody>
+          <a:bodyPr>
+            <a:normAutofit/>
+          </a:bodyPr>
+          <a:lstStyle/>
+          <a:p>
+            <a:pPr>
+              <a:buNone/>
+            </a:pPr>
+            <a:endParaRPr lang="en-US" altLang="zh-CN" sz="4400" dirty="0" smtClean="0"/>
+          </a:p>
+          <a:p>
+            <a:pPr>
+              <a:buNone/>
+            </a:pPr>
+            <a:endParaRPr lang="en-US" altLang="zh-CN" sz="4400" dirty="0" smtClean="0"/>
+          </a:p>
+          <a:p>
+            <a:pPr>
+              <a:buNone/>
+            </a:pPr>
+            <a:r>
+              <a:rPr lang="en-US" altLang="zh-CN" sz="4400" dirty="0" smtClean="0"/>
+              <a:t>F</a:t>
+            </a:r>
+            <a:r>
+              <a:rPr lang="zh-CN" altLang="en-US" sz="4400" dirty="0" smtClean="0"/>
+              <a:t>（</a:t>
+            </a:r>
+            <a:r>
+              <a:rPr lang="en-US" altLang="zh-CN" sz="4400" dirty="0" smtClean="0"/>
+              <a:t>10</a:t>
+            </a:r>
+            <a:r>
+              <a:rPr lang="zh-CN" altLang="en-US" sz="4400" dirty="0" smtClean="0"/>
+              <a:t>）</a:t>
+            </a:r>
+            <a:r>
+              <a:rPr lang="en-US" altLang="zh-CN" sz="4400" dirty="0" smtClean="0"/>
+              <a:t>=</a:t>
+            </a:r>
+            <a:r>
+              <a:rPr lang="zh-CN" altLang="en-US" sz="4400" dirty="0" smtClean="0"/>
+              <a:t>？</a:t>
+            </a:r>
+            <a:endParaRPr lang="zh-CN" altLang="en-US" sz="4400" dirty="0"/>
+          </a:p>
+        </p:txBody>
+      </p:sp>
+    </p:spTree>
+    <p:extLst>
+      <p:ext uri="{BB962C8B-B14F-4D97-AF65-F5344CB8AC3E}">
+        <p14:creationId xmlns:p14="http://schemas.microsoft.com/office/powerpoint/2010/main" xmlns="" val="2036312712"/>
+      </p:ext>
+    </p:extLst>
+  </p:cSld>
+  <p:clrMapOvr>
+    <a:masterClrMapping/>
+  </p:clrMapOvr>
+  <p:timing>
+    <p:tnLst>
+      <p:par>
+        <p:cTn id="1" dur="indefinite" restart="never" nodeType="tmRoot">
+          <p:childTnLst>
+            <p:seq concurrent="1" nextAc="seek">
+              <p:cTn id="2" dur="indefinite" nodeType="mainSeq">
+                <p:childTnLst>
+                  <p:par>
+                    <p:cTn id="3" fill="hold">
+                      <p:stCondLst>
+                        <p:cond delay="indefinite"/>
+                      </p:stCondLst>
+                      <p:childTnLst>
+                        <p:par>
+                          <p:cTn id="4" fill="hold">
+                            <p:stCondLst>
+                              <p:cond delay="0"/>
+                            </p:stCondLst>
+                            <p:childTnLst>
+                              <p:par>
+                                <p:cTn id="5" presetID="5" presetClass="entr" presetSubtype="10" fill="hold" grpId="0" nodeType="clickEffect">
+                                  <p:stCondLst>
+                                    <p:cond delay="0"/>
+                                  </p:stCondLst>
+                                  <p:childTnLst>
+                                    <p:set>
+                                      <p:cBhvr>
+                                        <p:cTn id="6" dur="1" fill="hold">
+                                          <p:stCondLst>
+                                            <p:cond delay="0"/>
+                                          </p:stCondLst>
+                                        </p:cTn>
+                                        <p:tgtEl>
+                                          <p:spTgt spid="9"/>
+                                        </p:tgtEl>
+                                        <p:attrNameLst>
+                                          <p:attrName>style.visibility</p:attrName>
+                                        </p:attrNameLst>
+                                      </p:cBhvr>
+                                      <p:to>
+                                        <p:strVal val="visible"/>
+                                      </p:to>
+                                    </p:set>
+                                    <p:animEffect transition="in" filter="checkerboard(across)">
+                                      <p:cBhvr>
+                                        <p:cTn id="7" dur="500"/>
+                                        <p:tgtEl>
+                                          <p:spTgt spid="9"/>
+                                        </p:tgtEl>
+                                      </p:cBhvr>
+                                    </p:animEffect>
+                                  </p:childTnLst>
+                                </p:cTn>
+                              </p:par>
+                            </p:childTnLst>
+                          </p:cTn>
+                        </p:par>
+                      </p:childTnLst>
+                    </p:cTn>
+                  </p:par>
+                </p:childTnLst>
+              </p:cTn>
+              <p:prevCondLst>
+                <p:cond evt="onPrev" delay="0">
+                  <p:tgtEl>
+                    <p:sldTgt/>
+                  </p:tgtEl>
+                </p:cond>
+              </p:prevCondLst>
+              <p:nextCondLst>
+                <p:cond evt="onNext" delay="0">
+                  <p:tgtEl>
+                    <p:sldTgt/>
+                  </p:tgtEl>
+                </p:cond>
+              </p:nextCondLst>
+            </p:seq>
+          </p:childTnLst>
+        </p:cTn>
+      </p:par>
+    </p:tnLst>
+    <p:bldLst>
+      <p:bldP spid="9" grpId="0"/>
+    </p:bldLst>
+  </p:timing>
+</p:sld>
+</file>
+
+<file path=ppt/slides/slide32.xml><?xml version="1.0" encoding="utf-8"?>
+<p:sld xmlns:a="http://schemas.openxmlformats.org/drawingml/2006/main" xmlns:r="http://schemas.openxmlformats.org/officeDocument/2006/relationships" xmlns:p="http://schemas.openxmlformats.org/presentationml/2006/main">
+  <p:cSld>
+    <p:spTree>
+      <p:nvGrpSpPr>
+        <p:cNvPr id="1" name=""/>
+        <p:cNvGrpSpPr/>
+        <p:nvPr/>
+      </p:nvGrpSpPr>
+      <p:grpSpPr>
+        <a:xfrm>
+          <a:off x="0" y="0"/>
+          <a:ext cx="0" cy="0"/>
+          <a:chOff x="0" y="0"/>
+          <a:chExt cx="0" cy="0"/>
+        </a:xfrm>
+      </p:grpSpPr>
+      <p:sp>
+        <p:nvSpPr>
+          <p:cNvPr id="9" name="Title 8"/>
+          <p:cNvSpPr>
+            <a:spLocks noGrp="1"/>
+          </p:cNvSpPr>
+          <p:nvPr>
+            <p:ph type="title"/>
+          </p:nvPr>
+        </p:nvSpPr>
+        <p:spPr/>
+        <p:txBody>
+          <a:bodyPr/>
+          <a:lstStyle/>
+          <a:p>
+            <a:r>
+              <a:rPr lang="zh-CN" altLang="en-US" sz="4400" dirty="0" smtClean="0"/>
+              <a:t>引申问题：</a:t>
+            </a:r>
+            <a:r>
+              <a:rPr lang="en-US" altLang="zh-CN" sz="4400" dirty="0"/>
+              <a:t/>
+            </a:r>
+            <a:br>
+              <a:rPr lang="en-US" altLang="zh-CN" sz="4400" dirty="0"/>
+            </a:br>
+            <a:endParaRPr lang="en-US" dirty="0"/>
+          </a:p>
+        </p:txBody>
+      </p:sp>
+      <p:pic>
+        <p:nvPicPr>
+          <p:cNvPr id="10" name="内容占位符 9" descr="image.php.jpg"/>
+          <p:cNvPicPr>
+            <a:picLocks noGrp="1" noChangeAspect="1"/>
+          </p:cNvPicPr>
+          <p:nvPr>
+            <p:ph idx="1"/>
+          </p:nvPr>
+        </p:nvPicPr>
+        <p:blipFill>
+          <a:blip r:embed="rId3"/>
+          <a:stretch>
+            <a:fillRect/>
+          </a:stretch>
+        </p:blipFill>
+        <p:spPr>
+          <a:xfrm>
+            <a:off x="2022920" y="1620679"/>
+            <a:ext cx="8027914" cy="4337552"/>
+          </a:xfrm>
+        </p:spPr>
+      </p:pic>
+    </p:spTree>
+    <p:extLst>
+      <p:ext uri="{BB962C8B-B14F-4D97-AF65-F5344CB8AC3E}">
+        <p14:creationId xmlns:p14="http://schemas.microsoft.com/office/powerpoint/2010/main" xmlns="" val="2036312712"/>
       </p:ext>
     </p:extLst>
   </p:cSld>
@@ -17658,7 +18758,7 @@
     </p:spTree>
     <p:extLst>
       <p:ext uri="{BB962C8B-B14F-4D97-AF65-F5344CB8AC3E}">
-        <p14:creationId xmlns="" xmlns:p14="http://schemas.microsoft.com/office/powerpoint/2010/main" val="1457282557"/>
+        <p14:creationId xmlns:p14="http://schemas.microsoft.com/office/powerpoint/2010/main" xmlns="" val="1457282557"/>
       </p:ext>
     </p:extLst>
   </p:cSld>
@@ -17935,7 +19035,7 @@
     </p:spTree>
     <p:extLst>
       <p:ext uri="{BB962C8B-B14F-4D97-AF65-F5344CB8AC3E}">
-        <p14:creationId xmlns="" xmlns:p14="http://schemas.microsoft.com/office/powerpoint/2010/main" val="2257175540"/>
+        <p14:creationId xmlns:p14="http://schemas.microsoft.com/office/powerpoint/2010/main" xmlns="" val="2257175540"/>
       </p:ext>
     </p:extLst>
   </p:cSld>
@@ -18203,7 +19303,7 @@
     </p:spTree>
     <p:extLst>
       <p:ext uri="{BB962C8B-B14F-4D97-AF65-F5344CB8AC3E}">
-        <p14:creationId xmlns="" xmlns:p14="http://schemas.microsoft.com/office/powerpoint/2010/main" val="3645564219"/>
+        <p14:creationId xmlns:p14="http://schemas.microsoft.com/office/powerpoint/2010/main" xmlns="" val="3645564219"/>
       </p:ext>
     </p:extLst>
   </p:cSld>
@@ -18428,7 +19528,7 @@
     </p:spTree>
     <p:extLst>
       <p:ext uri="{BB962C8B-B14F-4D97-AF65-F5344CB8AC3E}">
-        <p14:creationId xmlns="" xmlns:p14="http://schemas.microsoft.com/office/powerpoint/2010/main" val="912789726"/>
+        <p14:creationId xmlns:p14="http://schemas.microsoft.com/office/powerpoint/2010/main" xmlns="" val="912789726"/>
       </p:ext>
     </p:extLst>
   </p:cSld>
@@ -18768,7 +19868,7 @@
     </p:spTree>
     <p:extLst>
       <p:ext uri="{BB962C8B-B14F-4D97-AF65-F5344CB8AC3E}">
-        <p14:creationId xmlns="" xmlns:p14="http://schemas.microsoft.com/office/powerpoint/2010/main" val="635136375"/>
+        <p14:creationId xmlns:p14="http://schemas.microsoft.com/office/powerpoint/2010/main" xmlns="" val="635136375"/>
       </p:ext>
     </p:extLst>
   </p:cSld>
@@ -19118,7 +20218,7 @@
     </p:spTree>
     <p:extLst>
       <p:ext uri="{BB962C8B-B14F-4D97-AF65-F5344CB8AC3E}">
-        <p14:creationId xmlns="" xmlns:p14="http://schemas.microsoft.com/office/powerpoint/2010/main" val="2853320730"/>
+        <p14:creationId xmlns:p14="http://schemas.microsoft.com/office/powerpoint/2010/main" xmlns="" val="2853320730"/>
       </p:ext>
     </p:extLst>
   </p:cSld>
@@ -19474,7 +20574,7 @@
   <a:extraClrSchemeLst/>
   <a:extLst>
     <a:ext uri="{05A4C25C-085E-4340-85A3-A5531E510DB2}">
-      <thm15:themeFamily xmlns="" xmlns:thm15="http://schemas.microsoft.com/office/thememl/2012/main" name="Ion" id="{B8441ADB-2E43-4AF7-B97A-BD870242C6A8}" vid="{292E63A9-BB86-4E3D-B92A-7223C6510D2E}"/>
+      <thm15:themeFamily xmlns:thm15="http://schemas.microsoft.com/office/thememl/2012/main" xmlns="" name="Ion" id="{B8441ADB-2E43-4AF7-B97A-BD870242C6A8}" vid="{292E63A9-BB86-4E3D-B92A-7223C6510D2E}"/>
     </a:ext>
   </a:extLst>
 </a:theme>
@@ -19735,7 +20835,7 @@
   <a:extraClrSchemeLst/>
   <a:extLst>
     <a:ext uri="{05A4C25C-085E-4340-85A3-A5531E510DB2}">
-      <thm15:themeFamily xmlns="" xmlns:thm15="http://schemas.microsoft.com/office/thememl/2012/main" name="Office Theme" id="{62F939B6-93AF-4DB8-9C6B-D6C7DFDC589F}" vid="{4A3C46E8-61CC-4603-A589-7422A47A8E4A}"/>
+      <thm15:themeFamily xmlns:thm15="http://schemas.microsoft.com/office/thememl/2012/main" xmlns="" name="Office Theme" id="{62F939B6-93AF-4DB8-9C6B-D6C7DFDC589F}" vid="{4A3C46E8-61CC-4603-A589-7422A47A8E4A}"/>
     </a:ext>
   </a:extLst>
 </a:theme>

--- a/03.JavaScript/JavaScript.pptx
+++ b/03.JavaScript/JavaScript.pptx
@@ -5,7 +5,7 @@
     <p:sldMasterId id="2147483648" r:id="rId1"/>
   </p:sldMasterIdLst>
   <p:notesMasterIdLst>
-    <p:notesMasterId r:id="rId34"/>
+    <p:notesMasterId r:id="rId37"/>
   </p:notesMasterIdLst>
   <p:sldIdLst>
     <p:sldId id="260" r:id="rId2"/>
@@ -40,6 +40,9 @@
     <p:sldId id="295" r:id="rId31"/>
     <p:sldId id="291" r:id="rId32"/>
     <p:sldId id="292" r:id="rId33"/>
+    <p:sldId id="300" r:id="rId34"/>
+    <p:sldId id="301" r:id="rId35"/>
+    <p:sldId id="302" r:id="rId36"/>
   </p:sldIdLst>
   <p:sldSz cx="12192000" cy="6858000"/>
   <p:notesSz cx="6858000" cy="9144000"/>
@@ -3130,7 +3133,7 @@
             <a:fld id="{E2D8D627-E559-1D4B-8176-9402CD03DC11}" type="datetimeFigureOut">
               <a:rPr lang="en-US" smtClean="0"/>
               <a:pPr/>
-              <a:t>5/27/2016</a:t>
+              <a:t>5/28/2016</a:t>
             </a:fld>
             <a:endParaRPr lang="en-US"/>
           </a:p>
@@ -3467,7 +3470,7 @@
               <a:pPr/>
               <a:t>1</a:t>
             </a:fld>
-            <a:endParaRPr lang="en-US"/>
+            <a:endParaRPr lang="en-US" dirty="0"/>
           </a:p>
         </p:txBody>
       </p:sp>
@@ -4062,7 +4065,7 @@
               <a:pPr/>
               <a:t>16</a:t>
             </a:fld>
-            <a:endParaRPr lang="en-US"/>
+            <a:endParaRPr lang="en-US" dirty="0"/>
           </a:p>
         </p:txBody>
       </p:sp>
@@ -4147,7 +4150,7 @@
               <a:pPr/>
               <a:t>17</a:t>
             </a:fld>
-            <a:endParaRPr lang="en-US"/>
+            <a:endParaRPr lang="en-US" dirty="0"/>
           </a:p>
         </p:txBody>
       </p:sp>
@@ -4232,7 +4235,7 @@
               <a:pPr/>
               <a:t>18</a:t>
             </a:fld>
-            <a:endParaRPr lang="en-US"/>
+            <a:endParaRPr lang="en-US" dirty="0"/>
           </a:p>
         </p:txBody>
       </p:sp>
@@ -4317,7 +4320,7 @@
               <a:pPr/>
               <a:t>19</a:t>
             </a:fld>
-            <a:endParaRPr lang="en-US"/>
+            <a:endParaRPr lang="en-US" dirty="0"/>
           </a:p>
         </p:txBody>
       </p:sp>
@@ -4402,7 +4405,7 @@
               <a:pPr/>
               <a:t>2</a:t>
             </a:fld>
-            <a:endParaRPr lang="en-US"/>
+            <a:endParaRPr lang="en-US" dirty="0"/>
           </a:p>
         </p:txBody>
       </p:sp>
@@ -4487,7 +4490,7 @@
               <a:pPr/>
               <a:t>20</a:t>
             </a:fld>
-            <a:endParaRPr lang="en-US"/>
+            <a:endParaRPr lang="en-US" dirty="0"/>
           </a:p>
         </p:txBody>
       </p:sp>
@@ -4576,7 +4579,7 @@
               <a:pPr/>
               <a:t>21</a:t>
             </a:fld>
-            <a:endParaRPr lang="en-US"/>
+            <a:endParaRPr lang="en-US" dirty="0"/>
           </a:p>
         </p:txBody>
       </p:sp>
@@ -4661,7 +4664,7 @@
               <a:pPr/>
               <a:t>22</a:t>
             </a:fld>
-            <a:endParaRPr lang="en-US"/>
+            <a:endParaRPr lang="en-US" dirty="0"/>
           </a:p>
         </p:txBody>
       </p:sp>
@@ -4750,7 +4753,7 @@
               <a:pPr/>
               <a:t>23</a:t>
             </a:fld>
-            <a:endParaRPr lang="en-US"/>
+            <a:endParaRPr lang="en-US" dirty="0"/>
           </a:p>
         </p:txBody>
       </p:sp>
@@ -4835,7 +4838,7 @@
               <a:pPr/>
               <a:t>24</a:t>
             </a:fld>
-            <a:endParaRPr lang="en-US"/>
+            <a:endParaRPr lang="en-US" dirty="0"/>
           </a:p>
         </p:txBody>
       </p:sp>
@@ -4920,7 +4923,7 @@
               <a:pPr/>
               <a:t>25</a:t>
             </a:fld>
-            <a:endParaRPr lang="en-US"/>
+            <a:endParaRPr lang="en-US" dirty="0"/>
           </a:p>
         </p:txBody>
       </p:sp>
@@ -5005,7 +5008,7 @@
               <a:pPr/>
               <a:t>26</a:t>
             </a:fld>
-            <a:endParaRPr lang="en-US"/>
+            <a:endParaRPr lang="en-US" dirty="0"/>
           </a:p>
         </p:txBody>
       </p:sp>
@@ -5345,7 +5348,7 @@
               <a:pPr/>
               <a:t>3</a:t>
             </a:fld>
-            <a:endParaRPr lang="en-US"/>
+            <a:endParaRPr lang="en-US" dirty="0"/>
           </a:p>
         </p:txBody>
       </p:sp>
@@ -5627,6 +5630,261 @@
 </p:notes>
 </file>
 
+<file path=ppt/notesSlides/notesSlide33.xml><?xml version="1.0" encoding="utf-8"?>
+<p:notes xmlns:a="http://schemas.openxmlformats.org/drawingml/2006/main" xmlns:r="http://schemas.openxmlformats.org/officeDocument/2006/relationships" xmlns:p="http://schemas.openxmlformats.org/presentationml/2006/main">
+  <p:cSld>
+    <p:spTree>
+      <p:nvGrpSpPr>
+        <p:cNvPr id="1" name=""/>
+        <p:cNvGrpSpPr/>
+        <p:nvPr/>
+      </p:nvGrpSpPr>
+      <p:grpSpPr>
+        <a:xfrm>
+          <a:off x="0" y="0"/>
+          <a:ext cx="0" cy="0"/>
+          <a:chOff x="0" y="0"/>
+          <a:chExt cx="0" cy="0"/>
+        </a:xfrm>
+      </p:grpSpPr>
+      <p:sp>
+        <p:nvSpPr>
+          <p:cNvPr id="2" name="Slide Image Placeholder 1"/>
+          <p:cNvSpPr>
+            <a:spLocks noGrp="1" noRot="1" noChangeAspect="1"/>
+          </p:cNvSpPr>
+          <p:nvPr>
+            <p:ph type="sldImg"/>
+          </p:nvPr>
+        </p:nvSpPr>
+        <p:spPr/>
+      </p:sp>
+      <p:sp>
+        <p:nvSpPr>
+          <p:cNvPr id="3" name="Notes Placeholder 2"/>
+          <p:cNvSpPr>
+            <a:spLocks noGrp="1"/>
+          </p:cNvSpPr>
+          <p:nvPr>
+            <p:ph type="body" idx="1"/>
+          </p:nvPr>
+        </p:nvSpPr>
+        <p:spPr/>
+        <p:txBody>
+          <a:bodyPr/>
+          <a:lstStyle/>
+          <a:p>
+            <a:endParaRPr lang="en-US" dirty="0"/>
+          </a:p>
+        </p:txBody>
+      </p:sp>
+      <p:sp>
+        <p:nvSpPr>
+          <p:cNvPr id="4" name="Slide Number Placeholder 3"/>
+          <p:cNvSpPr>
+            <a:spLocks noGrp="1"/>
+          </p:cNvSpPr>
+          <p:nvPr>
+            <p:ph type="sldNum" sz="quarter" idx="10"/>
+          </p:nvPr>
+        </p:nvSpPr>
+        <p:spPr/>
+        <p:txBody>
+          <a:bodyPr/>
+          <a:lstStyle/>
+          <a:p>
+            <a:fld id="{8ABC5F5D-F15C-8846-AC21-6CDE416EB847}" type="slidenum">
+              <a:rPr lang="en-US" smtClean="0"/>
+              <a:pPr/>
+              <a:t>33</a:t>
+            </a:fld>
+            <a:endParaRPr lang="en-US"/>
+          </a:p>
+        </p:txBody>
+      </p:sp>
+    </p:spTree>
+    <p:extLst>
+      <p:ext uri="{BB962C8B-B14F-4D97-AF65-F5344CB8AC3E}">
+        <p14:creationId xmlns:p14="http://schemas.microsoft.com/office/powerpoint/2010/main" xmlns="" val="275206236"/>
+      </p:ext>
+    </p:extLst>
+  </p:cSld>
+  <p:clrMapOvr>
+    <a:masterClrMapping/>
+  </p:clrMapOvr>
+</p:notes>
+</file>
+
+<file path=ppt/notesSlides/notesSlide34.xml><?xml version="1.0" encoding="utf-8"?>
+<p:notes xmlns:a="http://schemas.openxmlformats.org/drawingml/2006/main" xmlns:r="http://schemas.openxmlformats.org/officeDocument/2006/relationships" xmlns:p="http://schemas.openxmlformats.org/presentationml/2006/main">
+  <p:cSld>
+    <p:spTree>
+      <p:nvGrpSpPr>
+        <p:cNvPr id="1" name=""/>
+        <p:cNvGrpSpPr/>
+        <p:nvPr/>
+      </p:nvGrpSpPr>
+      <p:grpSpPr>
+        <a:xfrm>
+          <a:off x="0" y="0"/>
+          <a:ext cx="0" cy="0"/>
+          <a:chOff x="0" y="0"/>
+          <a:chExt cx="0" cy="0"/>
+        </a:xfrm>
+      </p:grpSpPr>
+      <p:sp>
+        <p:nvSpPr>
+          <p:cNvPr id="2" name="Slide Image Placeholder 1"/>
+          <p:cNvSpPr>
+            <a:spLocks noGrp="1" noRot="1" noChangeAspect="1"/>
+          </p:cNvSpPr>
+          <p:nvPr>
+            <p:ph type="sldImg"/>
+          </p:nvPr>
+        </p:nvSpPr>
+        <p:spPr/>
+      </p:sp>
+      <p:sp>
+        <p:nvSpPr>
+          <p:cNvPr id="3" name="Notes Placeholder 2"/>
+          <p:cNvSpPr>
+            <a:spLocks noGrp="1"/>
+          </p:cNvSpPr>
+          <p:nvPr>
+            <p:ph type="body" idx="1"/>
+          </p:nvPr>
+        </p:nvSpPr>
+        <p:spPr/>
+        <p:txBody>
+          <a:bodyPr/>
+          <a:lstStyle/>
+          <a:p>
+            <a:endParaRPr lang="en-US" dirty="0"/>
+          </a:p>
+        </p:txBody>
+      </p:sp>
+      <p:sp>
+        <p:nvSpPr>
+          <p:cNvPr id="4" name="Slide Number Placeholder 3"/>
+          <p:cNvSpPr>
+            <a:spLocks noGrp="1"/>
+          </p:cNvSpPr>
+          <p:nvPr>
+            <p:ph type="sldNum" sz="quarter" idx="10"/>
+          </p:nvPr>
+        </p:nvSpPr>
+        <p:spPr/>
+        <p:txBody>
+          <a:bodyPr/>
+          <a:lstStyle/>
+          <a:p>
+            <a:fld id="{8ABC5F5D-F15C-8846-AC21-6CDE416EB847}" type="slidenum">
+              <a:rPr lang="en-US" smtClean="0"/>
+              <a:pPr/>
+              <a:t>34</a:t>
+            </a:fld>
+            <a:endParaRPr lang="en-US"/>
+          </a:p>
+        </p:txBody>
+      </p:sp>
+    </p:spTree>
+    <p:extLst>
+      <p:ext uri="{BB962C8B-B14F-4D97-AF65-F5344CB8AC3E}">
+        <p14:creationId xmlns:p14="http://schemas.microsoft.com/office/powerpoint/2010/main" xmlns="" val="275206236"/>
+      </p:ext>
+    </p:extLst>
+  </p:cSld>
+  <p:clrMapOvr>
+    <a:masterClrMapping/>
+  </p:clrMapOvr>
+</p:notes>
+</file>
+
+<file path=ppt/notesSlides/notesSlide35.xml><?xml version="1.0" encoding="utf-8"?>
+<p:notes xmlns:a="http://schemas.openxmlformats.org/drawingml/2006/main" xmlns:r="http://schemas.openxmlformats.org/officeDocument/2006/relationships" xmlns:p="http://schemas.openxmlformats.org/presentationml/2006/main">
+  <p:cSld>
+    <p:spTree>
+      <p:nvGrpSpPr>
+        <p:cNvPr id="1" name=""/>
+        <p:cNvGrpSpPr/>
+        <p:nvPr/>
+      </p:nvGrpSpPr>
+      <p:grpSpPr>
+        <a:xfrm>
+          <a:off x="0" y="0"/>
+          <a:ext cx="0" cy="0"/>
+          <a:chOff x="0" y="0"/>
+          <a:chExt cx="0" cy="0"/>
+        </a:xfrm>
+      </p:grpSpPr>
+      <p:sp>
+        <p:nvSpPr>
+          <p:cNvPr id="2" name="Slide Image Placeholder 1"/>
+          <p:cNvSpPr>
+            <a:spLocks noGrp="1" noRot="1" noChangeAspect="1"/>
+          </p:cNvSpPr>
+          <p:nvPr>
+            <p:ph type="sldImg"/>
+          </p:nvPr>
+        </p:nvSpPr>
+        <p:spPr/>
+      </p:sp>
+      <p:sp>
+        <p:nvSpPr>
+          <p:cNvPr id="3" name="Notes Placeholder 2"/>
+          <p:cNvSpPr>
+            <a:spLocks noGrp="1"/>
+          </p:cNvSpPr>
+          <p:nvPr>
+            <p:ph type="body" idx="1"/>
+          </p:nvPr>
+        </p:nvSpPr>
+        <p:spPr/>
+        <p:txBody>
+          <a:bodyPr/>
+          <a:lstStyle/>
+          <a:p>
+            <a:endParaRPr lang="en-US" dirty="0"/>
+          </a:p>
+        </p:txBody>
+      </p:sp>
+      <p:sp>
+        <p:nvSpPr>
+          <p:cNvPr id="4" name="Slide Number Placeholder 3"/>
+          <p:cNvSpPr>
+            <a:spLocks noGrp="1"/>
+          </p:cNvSpPr>
+          <p:nvPr>
+            <p:ph type="sldNum" sz="quarter" idx="10"/>
+          </p:nvPr>
+        </p:nvSpPr>
+        <p:spPr/>
+        <p:txBody>
+          <a:bodyPr/>
+          <a:lstStyle/>
+          <a:p>
+            <a:fld id="{8ABC5F5D-F15C-8846-AC21-6CDE416EB847}" type="slidenum">
+              <a:rPr lang="en-US" smtClean="0"/>
+              <a:pPr/>
+              <a:t>35</a:t>
+            </a:fld>
+            <a:endParaRPr lang="en-US"/>
+          </a:p>
+        </p:txBody>
+      </p:sp>
+    </p:spTree>
+    <p:extLst>
+      <p:ext uri="{BB962C8B-B14F-4D97-AF65-F5344CB8AC3E}">
+        <p14:creationId xmlns:p14="http://schemas.microsoft.com/office/powerpoint/2010/main" xmlns="" val="275206236"/>
+      </p:ext>
+    </p:extLst>
+  </p:cSld>
+  <p:clrMapOvr>
+    <a:masterClrMapping/>
+  </p:clrMapOvr>
+</p:notes>
+</file>
+
 <file path=ppt/notesSlides/notesSlide4.xml><?xml version="1.0" encoding="utf-8"?>
 <p:notes xmlns:a="http://schemas.openxmlformats.org/drawingml/2006/main" xmlns:r="http://schemas.openxmlformats.org/officeDocument/2006/relationships" xmlns:p="http://schemas.openxmlformats.org/presentationml/2006/main">
   <p:cSld>
@@ -6324,7 +6582,7 @@
             <a:fld id="{4AAD347D-5ACD-4C99-B74B-A9C85AD731AF}" type="datetimeFigureOut">
               <a:rPr lang="en-US" dirty="0"/>
               <a:pPr/>
-              <a:t>5/27/2016</a:t>
+              <a:t>5/28/2016</a:t>
             </a:fld>
             <a:endParaRPr lang="en-US" dirty="0"/>
           </a:p>
@@ -6596,7 +6854,7 @@
             <a:fld id="{4509A250-FF31-4206-8172-F9D3106AACB1}" type="datetimeFigureOut">
               <a:rPr lang="en-US" dirty="0"/>
               <a:pPr/>
-              <a:t>5/27/2016</a:t>
+              <a:t>5/28/2016</a:t>
             </a:fld>
             <a:endParaRPr lang="en-US" dirty="0"/>
           </a:p>
@@ -6787,7 +7045,7 @@
             <a:fld id="{4509A250-FF31-4206-8172-F9D3106AACB1}" type="datetimeFigureOut">
               <a:rPr lang="en-US" dirty="0"/>
               <a:pPr/>
-              <a:t>5/27/2016</a:t>
+              <a:t>5/28/2016</a:t>
             </a:fld>
             <a:endParaRPr lang="en-US" dirty="0"/>
           </a:p>
@@ -7057,7 +7315,7 @@
             <a:fld id="{4509A250-FF31-4206-8172-F9D3106AACB1}" type="datetimeFigureOut">
               <a:rPr lang="en-US" dirty="0"/>
               <a:pPr/>
-              <a:t>5/27/2016</a:t>
+              <a:t>5/28/2016</a:t>
             </a:fld>
             <a:endParaRPr lang="en-US" dirty="0"/>
           </a:p>
@@ -7395,7 +7653,7 @@
             <a:fld id="{4509A250-FF31-4206-8172-F9D3106AACB1}" type="datetimeFigureOut">
               <a:rPr lang="en-US" dirty="0"/>
               <a:pPr/>
-              <a:t>5/27/2016</a:t>
+              <a:t>5/28/2016</a:t>
             </a:fld>
             <a:endParaRPr lang="en-US" dirty="0"/>
           </a:p>
@@ -8015,7 +8273,7 @@
             <a:fld id="{4509A250-FF31-4206-8172-F9D3106AACB1}" type="datetimeFigureOut">
               <a:rPr lang="en-US" dirty="0"/>
               <a:pPr/>
-              <a:t>5/27/2016</a:t>
+              <a:t>5/28/2016</a:t>
             </a:fld>
             <a:endParaRPr lang="en-US" dirty="0"/>
           </a:p>
@@ -8872,7 +9130,7 @@
             <a:fld id="{4509A250-FF31-4206-8172-F9D3106AACB1}" type="datetimeFigureOut">
               <a:rPr lang="en-US" dirty="0"/>
               <a:pPr/>
-              <a:t>5/27/2016</a:t>
+              <a:t>5/28/2016</a:t>
             </a:fld>
             <a:endParaRPr lang="en-US" dirty="0"/>
           </a:p>
@@ -9039,7 +9297,7 @@
             <a:fld id="{4509A250-FF31-4206-8172-F9D3106AACB1}" type="datetimeFigureOut">
               <a:rPr lang="en-US" dirty="0"/>
               <a:pPr/>
-              <a:t>5/27/2016</a:t>
+              <a:t>5/28/2016</a:t>
             </a:fld>
             <a:endParaRPr lang="en-US" dirty="0"/>
           </a:p>
@@ -9216,7 +9474,7 @@
             <a:fld id="{4509A250-FF31-4206-8172-F9D3106AACB1}" type="datetimeFigureOut">
               <a:rPr lang="en-US" dirty="0"/>
               <a:pPr/>
-              <a:t>5/27/2016</a:t>
+              <a:t>5/28/2016</a:t>
             </a:fld>
             <a:endParaRPr lang="en-US" dirty="0"/>
           </a:p>
@@ -9383,7 +9641,7 @@
             <a:fld id="{4509A250-FF31-4206-8172-F9D3106AACB1}" type="datetimeFigureOut">
               <a:rPr lang="en-US" dirty="0"/>
               <a:pPr/>
-              <a:t>5/27/2016</a:t>
+              <a:t>5/28/2016</a:t>
             </a:fld>
             <a:endParaRPr lang="en-US" dirty="0"/>
           </a:p>
@@ -9627,7 +9885,7 @@
             <a:fld id="{9796027F-7875-4030-9381-8BD8C4F21935}" type="datetimeFigureOut">
               <a:rPr lang="en-US" dirty="0"/>
               <a:pPr/>
-              <a:t>5/27/2016</a:t>
+              <a:t>5/28/2016</a:t>
             </a:fld>
             <a:endParaRPr lang="en-US" dirty="0"/>
           </a:p>
@@ -9916,7 +10174,7 @@
             <a:fld id="{9796027F-7875-4030-9381-8BD8C4F21935}" type="datetimeFigureOut">
               <a:rPr lang="en-US" dirty="0"/>
               <a:pPr/>
-              <a:t>5/27/2016</a:t>
+              <a:t>5/28/2016</a:t>
             </a:fld>
             <a:endParaRPr lang="en-US" dirty="0"/>
           </a:p>
@@ -10357,7 +10615,7 @@
             <a:fld id="{9796027F-7875-4030-9381-8BD8C4F21935}" type="datetimeFigureOut">
               <a:rPr lang="en-US" dirty="0"/>
               <a:pPr/>
-              <a:t>5/27/2016</a:t>
+              <a:t>5/28/2016</a:t>
             </a:fld>
             <a:endParaRPr lang="en-US" dirty="0"/>
           </a:p>
@@ -10472,7 +10730,7 @@
             <a:fld id="{4509A250-FF31-4206-8172-F9D3106AACB1}" type="datetimeFigureOut">
               <a:rPr lang="en-US" dirty="0"/>
               <a:pPr/>
-              <a:t>5/27/2016</a:t>
+              <a:t>5/28/2016</a:t>
             </a:fld>
             <a:endParaRPr lang="en-US" dirty="0"/>
           </a:p>
@@ -10564,7 +10822,7 @@
             <a:fld id="{4509A250-FF31-4206-8172-F9D3106AACB1}" type="datetimeFigureOut">
               <a:rPr lang="en-US" dirty="0"/>
               <a:pPr/>
-              <a:t>5/27/2016</a:t>
+              <a:t>5/28/2016</a:t>
             </a:fld>
             <a:endParaRPr lang="en-US" dirty="0"/>
           </a:p>
@@ -10840,7 +11098,7 @@
             <a:fld id="{4509A250-FF31-4206-8172-F9D3106AACB1}" type="datetimeFigureOut">
               <a:rPr lang="en-US" dirty="0"/>
               <a:pPr/>
-              <a:t>5/27/2016</a:t>
+              <a:t>5/28/2016</a:t>
             </a:fld>
             <a:endParaRPr lang="en-US" dirty="0"/>
           </a:p>
@@ -11112,7 +11370,7 @@
             <a:fld id="{4509A250-FF31-4206-8172-F9D3106AACB1}" type="datetimeFigureOut">
               <a:rPr lang="en-US" dirty="0"/>
               <a:pPr/>
-              <a:t>5/27/2016</a:t>
+              <a:t>5/28/2016</a:t>
             </a:fld>
             <a:endParaRPr lang="en-US" dirty="0"/>
           </a:p>
@@ -11538,7 +11796,7 @@
             <a:fld id="{4AAD347D-5ACD-4C99-B74B-A9C85AD731AF}" type="datetimeFigureOut">
               <a:rPr lang="en-US" dirty="0"/>
               <a:pPr/>
-              <a:t>5/27/2016</a:t>
+              <a:t>5/28/2016</a:t>
             </a:fld>
             <a:endParaRPr lang="en-US" dirty="0"/>
           </a:p>
@@ -13918,7 +14176,6 @@
               <a:rPr lang="en-US" altLang="zh-CN" sz="2400" dirty="0" smtClean="0"/>
               <a:t>||</a:t>
             </a:r>
-            <a:endParaRPr lang="en-US" altLang="zh-CN" sz="2400" dirty="0" smtClean="0"/>
           </a:p>
           <a:p>
             <a:pPr lvl="1">
@@ -13946,7 +14203,6 @@
               <a:rPr lang="en-US" altLang="zh-CN" sz="2400" dirty="0" smtClean="0"/>
               <a:t>^</a:t>
             </a:r>
-            <a:endParaRPr lang="en-US" altLang="zh-CN" sz="2400" dirty="0" smtClean="0"/>
           </a:p>
           <a:p>
             <a:pPr lvl="1">
@@ -13962,11 +14218,7 @@
             </a:r>
             <a:r>
               <a:rPr lang="en-US" altLang="zh-CN" sz="2400" dirty="0" smtClean="0"/>
-              <a:t> </a:t>
-            </a:r>
-            <a:r>
-              <a:rPr lang="en-US" altLang="zh-CN" sz="2400" dirty="0" smtClean="0"/>
-              <a:t> </a:t>
+              <a:t>  </a:t>
             </a:r>
             <a:r>
               <a:rPr lang="zh-CN" altLang="en-US" sz="2400" dirty="0" smtClean="0"/>
@@ -17501,7 +17753,6 @@
               <a:rPr lang="en-US" altLang="zh-CN" sz="2400" dirty="0" smtClean="0"/>
               <a:t>method</a:t>
             </a:r>
-            <a:endParaRPr lang="en-US" altLang="zh-CN" sz="2400" dirty="0" smtClean="0"/>
           </a:p>
         </p:txBody>
       </p:sp>
@@ -17854,15 +18105,7 @@
           <a:p>
             <a:r>
               <a:rPr lang="zh-CN" altLang="en-US" sz="4400" dirty="0" smtClean="0"/>
-              <a:t>对象</a:t>
-            </a:r>
-            <a:r>
-              <a:rPr lang="zh-CN" altLang="en-US" sz="4400" dirty="0" smtClean="0"/>
-              <a:t>的</a:t>
-            </a:r>
-            <a:r>
-              <a:rPr lang="zh-CN" altLang="en-US" sz="4400" dirty="0" smtClean="0"/>
-              <a:t>读取</a:t>
+              <a:t>对象的读取</a:t>
             </a:r>
             <a:r>
               <a:rPr lang="en-US" altLang="zh-CN" sz="4400" dirty="0" smtClean="0"/>
@@ -17910,11 +18153,7 @@
             </a:r>
             <a:r>
               <a:rPr lang="en-US" altLang="zh-CN" sz="2400" dirty="0" smtClean="0"/>
-              <a:t>: city.name</a:t>
-            </a:r>
-            <a:r>
-              <a:rPr lang="en-US" altLang="zh-CN" sz="2400" dirty="0" smtClean="0"/>
-              <a:t>=</a:t>
+              <a:t>: city.name=</a:t>
             </a:r>
             <a:r>
               <a:rPr lang="en-US" altLang="zh-CN" sz="2400" dirty="0" smtClean="0">
@@ -17953,11 +18192,7 @@
             </a:r>
             <a:r>
               <a:rPr lang="en-US" altLang="zh-CN" sz="2400" dirty="0" smtClean="0"/>
-              <a:t>: city[“Name</a:t>
-            </a:r>
-            <a:r>
-              <a:rPr lang="en-US" altLang="zh-CN" sz="2400" dirty="0" smtClean="0"/>
-              <a:t>”]=</a:t>
+              <a:t>: city[“Name”]=</a:t>
             </a:r>
             <a:r>
               <a:rPr lang="en-US" altLang="zh-CN" sz="2400" dirty="0" smtClean="0">
@@ -17975,7 +18210,6 @@
               <a:rPr lang="zh-CN" altLang="en-US" sz="2400" dirty="0" smtClean="0"/>
               <a:t> </a:t>
             </a:r>
-            <a:endParaRPr lang="zh-CN" altLang="en-US" sz="2400" dirty="0" smtClean="0"/>
           </a:p>
           <a:p>
             <a:pPr>
@@ -18126,7 +18360,15 @@
             </a:r>
             <a:r>
               <a:rPr lang="en-US" sz="4400" dirty="0" smtClean="0"/>
-              <a:t>Fibonacci sequence</a:t>
+              <a:t>Fibonacci </a:t>
+            </a:r>
+            <a:r>
+              <a:rPr lang="en-US" sz="4400" dirty="0" smtClean="0"/>
+              <a:t>se </a:t>
+            </a:r>
+            <a:r>
+              <a:rPr lang="en-US" sz="4400" dirty="0" err="1" smtClean="0"/>
+              <a:t>quence</a:t>
             </a:r>
             <a:r>
               <a:rPr lang="en-US" altLang="zh-CN" sz="4400" dirty="0"/>
@@ -18393,6 +18635,598 @@
           <a:xfrm>
             <a:off x="2022920" y="1620679"/>
             <a:ext cx="8027914" cy="4337552"/>
+          </a:xfrm>
+        </p:spPr>
+      </p:pic>
+    </p:spTree>
+    <p:extLst>
+      <p:ext uri="{BB962C8B-B14F-4D97-AF65-F5344CB8AC3E}">
+        <p14:creationId xmlns:p14="http://schemas.microsoft.com/office/powerpoint/2010/main" xmlns="" val="2036312712"/>
+      </p:ext>
+    </p:extLst>
+  </p:cSld>
+  <p:clrMapOvr>
+    <a:masterClrMapping/>
+  </p:clrMapOvr>
+  <p:timing>
+    <p:tnLst>
+      <p:par>
+        <p:cTn id="1" dur="indefinite" restart="never" nodeType="tmRoot">
+          <p:childTnLst>
+            <p:seq concurrent="1" nextAc="seek">
+              <p:cTn id="2" dur="indefinite" nodeType="mainSeq">
+                <p:childTnLst>
+                  <p:par>
+                    <p:cTn id="3" fill="hold">
+                      <p:stCondLst>
+                        <p:cond delay="indefinite"/>
+                      </p:stCondLst>
+                      <p:childTnLst>
+                        <p:par>
+                          <p:cTn id="4" fill="hold">
+                            <p:stCondLst>
+                              <p:cond delay="0"/>
+                            </p:stCondLst>
+                            <p:childTnLst>
+                              <p:par>
+                                <p:cTn id="5" presetID="5" presetClass="entr" presetSubtype="10" fill="hold" grpId="0" nodeType="clickEffect">
+                                  <p:stCondLst>
+                                    <p:cond delay="0"/>
+                                  </p:stCondLst>
+                                  <p:childTnLst>
+                                    <p:set>
+                                      <p:cBhvr>
+                                        <p:cTn id="6" dur="1" fill="hold">
+                                          <p:stCondLst>
+                                            <p:cond delay="0"/>
+                                          </p:stCondLst>
+                                        </p:cTn>
+                                        <p:tgtEl>
+                                          <p:spTgt spid="9"/>
+                                        </p:tgtEl>
+                                        <p:attrNameLst>
+                                          <p:attrName>style.visibility</p:attrName>
+                                        </p:attrNameLst>
+                                      </p:cBhvr>
+                                      <p:to>
+                                        <p:strVal val="visible"/>
+                                      </p:to>
+                                    </p:set>
+                                    <p:animEffect transition="in" filter="checkerboard(across)">
+                                      <p:cBhvr>
+                                        <p:cTn id="7" dur="500"/>
+                                        <p:tgtEl>
+                                          <p:spTgt spid="9"/>
+                                        </p:tgtEl>
+                                      </p:cBhvr>
+                                    </p:animEffect>
+                                  </p:childTnLst>
+                                </p:cTn>
+                              </p:par>
+                            </p:childTnLst>
+                          </p:cTn>
+                        </p:par>
+                      </p:childTnLst>
+                    </p:cTn>
+                  </p:par>
+                </p:childTnLst>
+              </p:cTn>
+              <p:prevCondLst>
+                <p:cond evt="onPrev" delay="0">
+                  <p:tgtEl>
+                    <p:sldTgt/>
+                  </p:tgtEl>
+                </p:cond>
+              </p:prevCondLst>
+              <p:nextCondLst>
+                <p:cond evt="onNext" delay="0">
+                  <p:tgtEl>
+                    <p:sldTgt/>
+                  </p:tgtEl>
+                </p:cond>
+              </p:nextCondLst>
+            </p:seq>
+          </p:childTnLst>
+        </p:cTn>
+      </p:par>
+    </p:tnLst>
+    <p:bldLst>
+      <p:bldP spid="9" grpId="0"/>
+    </p:bldLst>
+  </p:timing>
+</p:sld>
+</file>
+
+<file path=ppt/slides/slide33.xml><?xml version="1.0" encoding="utf-8"?>
+<p:sld xmlns:a="http://schemas.openxmlformats.org/drawingml/2006/main" xmlns:r="http://schemas.openxmlformats.org/officeDocument/2006/relationships" xmlns:p="http://schemas.openxmlformats.org/presentationml/2006/main">
+  <p:cSld>
+    <p:spTree>
+      <p:nvGrpSpPr>
+        <p:cNvPr id="1" name=""/>
+        <p:cNvGrpSpPr/>
+        <p:nvPr/>
+      </p:nvGrpSpPr>
+      <p:grpSpPr>
+        <a:xfrm>
+          <a:off x="0" y="0"/>
+          <a:ext cx="0" cy="0"/>
+          <a:chOff x="0" y="0"/>
+          <a:chExt cx="0" cy="0"/>
+        </a:xfrm>
+      </p:grpSpPr>
+      <p:sp>
+        <p:nvSpPr>
+          <p:cNvPr id="9" name="Title 8"/>
+          <p:cNvSpPr>
+            <a:spLocks noGrp="1"/>
+          </p:cNvSpPr>
+          <p:nvPr>
+            <p:ph type="title"/>
+          </p:nvPr>
+        </p:nvSpPr>
+        <p:spPr/>
+        <p:txBody>
+          <a:bodyPr/>
+          <a:lstStyle/>
+          <a:p>
+            <a:r>
+              <a:rPr lang="en-US" altLang="zh-CN" sz="4400" dirty="0" smtClean="0"/>
+              <a:t>Douglas </a:t>
+            </a:r>
+            <a:r>
+              <a:rPr lang="en-US" altLang="zh-CN" sz="4400" dirty="0" err="1" smtClean="0"/>
+              <a:t>Crockford</a:t>
+            </a:r>
+            <a:r>
+              <a:rPr lang="en-US" altLang="zh-CN" sz="4400" dirty="0"/>
+              <a:t/>
+            </a:r>
+            <a:br>
+              <a:rPr lang="en-US" altLang="zh-CN" sz="4400" dirty="0"/>
+            </a:br>
+            <a:endParaRPr lang="en-US" dirty="0"/>
+          </a:p>
+        </p:txBody>
+      </p:sp>
+      <p:pic>
+        <p:nvPicPr>
+          <p:cNvPr id="7" name="内容占位符 6" descr="800px-Douglas_Crockford,_February_2013.jpg"/>
+          <p:cNvPicPr>
+            <a:picLocks noGrp="1" noChangeAspect="1"/>
+          </p:cNvPicPr>
+          <p:nvPr>
+            <p:ph sz="half" idx="1"/>
+          </p:nvPr>
+        </p:nvPicPr>
+        <p:blipFill>
+          <a:blip r:embed="rId3"/>
+          <a:stretch>
+            <a:fillRect/>
+          </a:stretch>
+        </p:blipFill>
+        <p:spPr>
+          <a:xfrm>
+            <a:off x="963880" y="1853248"/>
+            <a:ext cx="4690613" cy="3107531"/>
+          </a:xfrm>
+        </p:spPr>
+      </p:pic>
+      <p:pic>
+        <p:nvPicPr>
+          <p:cNvPr id="8" name="内容占位符 7" descr="JavaScript-the-good-parts.jpg"/>
+          <p:cNvPicPr>
+            <a:picLocks noGrp="1" noChangeAspect="1"/>
+          </p:cNvPicPr>
+          <p:nvPr>
+            <p:ph sz="half" idx="2"/>
+          </p:nvPr>
+        </p:nvPicPr>
+        <p:blipFill>
+          <a:blip r:embed="rId4"/>
+          <a:stretch>
+            <a:fillRect/>
+          </a:stretch>
+        </p:blipFill>
+        <p:spPr>
+          <a:xfrm>
+            <a:off x="5902324" y="1969333"/>
+            <a:ext cx="5318125" cy="2991446"/>
+          </a:xfrm>
+        </p:spPr>
+      </p:pic>
+    </p:spTree>
+    <p:extLst>
+      <p:ext uri="{BB962C8B-B14F-4D97-AF65-F5344CB8AC3E}">
+        <p14:creationId xmlns:p14="http://schemas.microsoft.com/office/powerpoint/2010/main" xmlns="" val="2036312712"/>
+      </p:ext>
+    </p:extLst>
+  </p:cSld>
+  <p:clrMapOvr>
+    <a:masterClrMapping/>
+  </p:clrMapOvr>
+  <p:timing>
+    <p:tnLst>
+      <p:par>
+        <p:cTn id="1" dur="indefinite" restart="never" nodeType="tmRoot">
+          <p:childTnLst>
+            <p:seq concurrent="1" nextAc="seek">
+              <p:cTn id="2" dur="indefinite" nodeType="mainSeq">
+                <p:childTnLst>
+                  <p:par>
+                    <p:cTn id="3" fill="hold">
+                      <p:stCondLst>
+                        <p:cond delay="indefinite"/>
+                      </p:stCondLst>
+                      <p:childTnLst>
+                        <p:par>
+                          <p:cTn id="4" fill="hold">
+                            <p:stCondLst>
+                              <p:cond delay="0"/>
+                            </p:stCondLst>
+                            <p:childTnLst>
+                              <p:par>
+                                <p:cTn id="5" presetID="5" presetClass="entr" presetSubtype="10" fill="hold" grpId="0" nodeType="clickEffect">
+                                  <p:stCondLst>
+                                    <p:cond delay="0"/>
+                                  </p:stCondLst>
+                                  <p:childTnLst>
+                                    <p:set>
+                                      <p:cBhvr>
+                                        <p:cTn id="6" dur="1" fill="hold">
+                                          <p:stCondLst>
+                                            <p:cond delay="0"/>
+                                          </p:stCondLst>
+                                        </p:cTn>
+                                        <p:tgtEl>
+                                          <p:spTgt spid="9"/>
+                                        </p:tgtEl>
+                                        <p:attrNameLst>
+                                          <p:attrName>style.visibility</p:attrName>
+                                        </p:attrNameLst>
+                                      </p:cBhvr>
+                                      <p:to>
+                                        <p:strVal val="visible"/>
+                                      </p:to>
+                                    </p:set>
+                                    <p:animEffect transition="in" filter="checkerboard(across)">
+                                      <p:cBhvr>
+                                        <p:cTn id="7" dur="500"/>
+                                        <p:tgtEl>
+                                          <p:spTgt spid="9"/>
+                                        </p:tgtEl>
+                                      </p:cBhvr>
+                                    </p:animEffect>
+                                  </p:childTnLst>
+                                </p:cTn>
+                              </p:par>
+                            </p:childTnLst>
+                          </p:cTn>
+                        </p:par>
+                      </p:childTnLst>
+                    </p:cTn>
+                  </p:par>
+                </p:childTnLst>
+              </p:cTn>
+              <p:prevCondLst>
+                <p:cond evt="onPrev" delay="0">
+                  <p:tgtEl>
+                    <p:sldTgt/>
+                  </p:tgtEl>
+                </p:cond>
+              </p:prevCondLst>
+              <p:nextCondLst>
+                <p:cond evt="onNext" delay="0">
+                  <p:tgtEl>
+                    <p:sldTgt/>
+                  </p:tgtEl>
+                </p:cond>
+              </p:nextCondLst>
+            </p:seq>
+          </p:childTnLst>
+        </p:cTn>
+      </p:par>
+    </p:tnLst>
+    <p:bldLst>
+      <p:bldP spid="9" grpId="0"/>
+    </p:bldLst>
+  </p:timing>
+</p:sld>
+</file>
+
+<file path=ppt/slides/slide34.xml><?xml version="1.0" encoding="utf-8"?>
+<p:sld xmlns:a="http://schemas.openxmlformats.org/drawingml/2006/main" xmlns:r="http://schemas.openxmlformats.org/officeDocument/2006/relationships" xmlns:p="http://schemas.openxmlformats.org/presentationml/2006/main">
+  <p:cSld>
+    <p:spTree>
+      <p:nvGrpSpPr>
+        <p:cNvPr id="1" name=""/>
+        <p:cNvGrpSpPr/>
+        <p:nvPr/>
+      </p:nvGrpSpPr>
+      <p:grpSpPr>
+        <a:xfrm>
+          <a:off x="0" y="0"/>
+          <a:ext cx="0" cy="0"/>
+          <a:chOff x="0" y="0"/>
+          <a:chExt cx="0" cy="0"/>
+        </a:xfrm>
+      </p:grpSpPr>
+      <p:sp>
+        <p:nvSpPr>
+          <p:cNvPr id="9" name="Title 8"/>
+          <p:cNvSpPr>
+            <a:spLocks noGrp="1"/>
+          </p:cNvSpPr>
+          <p:nvPr>
+            <p:ph type="title"/>
+          </p:nvPr>
+        </p:nvSpPr>
+        <p:spPr/>
+        <p:txBody>
+          <a:bodyPr/>
+          <a:lstStyle/>
+          <a:p>
+            <a:r>
+              <a:rPr lang="en-US" altLang="zh-CN" sz="4400" dirty="0" smtClean="0"/>
+              <a:t>John </a:t>
+            </a:r>
+            <a:r>
+              <a:rPr lang="en-US" altLang="zh-CN" sz="4400" dirty="0" err="1" smtClean="0"/>
+              <a:t>Resig</a:t>
+            </a:r>
+            <a:r>
+              <a:rPr lang="en-US" altLang="zh-CN" sz="4400" dirty="0"/>
+              <a:t/>
+            </a:r>
+            <a:br>
+              <a:rPr lang="en-US" altLang="zh-CN" sz="4400" dirty="0"/>
+            </a:br>
+            <a:endParaRPr lang="en-US" dirty="0"/>
+          </a:p>
+        </p:txBody>
+      </p:sp>
+      <p:pic>
+        <p:nvPicPr>
+          <p:cNvPr id="10" name="内容占位符 9" descr="john-resig.jpg"/>
+          <p:cNvPicPr>
+            <a:picLocks noGrp="1" noChangeAspect="1"/>
+          </p:cNvPicPr>
+          <p:nvPr>
+            <p:ph sz="half" idx="1"/>
+          </p:nvPr>
+        </p:nvPicPr>
+        <p:blipFill>
+          <a:blip r:embed="rId3"/>
+          <a:stretch>
+            <a:fillRect/>
+          </a:stretch>
+        </p:blipFill>
+        <p:spPr>
+          <a:xfrm>
+            <a:off x="1350961" y="2055812"/>
+            <a:ext cx="5263729" cy="4200525"/>
+          </a:xfrm>
+        </p:spPr>
+      </p:pic>
+      <p:pic>
+        <p:nvPicPr>
+          <p:cNvPr id="11" name="内容占位符 10" descr="jsninja-cover.sm.jpg"/>
+          <p:cNvPicPr>
+            <a:picLocks noGrp="1" noChangeAspect="1"/>
+          </p:cNvPicPr>
+          <p:nvPr>
+            <p:ph sz="half" idx="2"/>
+          </p:nvPr>
+        </p:nvPicPr>
+        <p:blipFill>
+          <a:blip r:embed="rId4"/>
+          <a:stretch>
+            <a:fillRect/>
+          </a:stretch>
+        </p:blipFill>
+        <p:spPr>
+          <a:xfrm>
+            <a:off x="7852569" y="2055813"/>
+            <a:ext cx="3347032" cy="4200525"/>
+          </a:xfrm>
+        </p:spPr>
+      </p:pic>
+    </p:spTree>
+    <p:extLst>
+      <p:ext uri="{BB962C8B-B14F-4D97-AF65-F5344CB8AC3E}">
+        <p14:creationId xmlns:p14="http://schemas.microsoft.com/office/powerpoint/2010/main" xmlns="" val="2036312712"/>
+      </p:ext>
+    </p:extLst>
+  </p:cSld>
+  <p:clrMapOvr>
+    <a:masterClrMapping/>
+  </p:clrMapOvr>
+  <p:timing>
+    <p:tnLst>
+      <p:par>
+        <p:cTn id="1" dur="indefinite" restart="never" nodeType="tmRoot">
+          <p:childTnLst>
+            <p:seq concurrent="1" nextAc="seek">
+              <p:cTn id="2" dur="indefinite" nodeType="mainSeq">
+                <p:childTnLst>
+                  <p:par>
+                    <p:cTn id="3" fill="hold">
+                      <p:stCondLst>
+                        <p:cond delay="indefinite"/>
+                      </p:stCondLst>
+                      <p:childTnLst>
+                        <p:par>
+                          <p:cTn id="4" fill="hold">
+                            <p:stCondLst>
+                              <p:cond delay="0"/>
+                            </p:stCondLst>
+                            <p:childTnLst>
+                              <p:par>
+                                <p:cTn id="5" presetID="5" presetClass="entr" presetSubtype="10" fill="hold" grpId="0" nodeType="clickEffect">
+                                  <p:stCondLst>
+                                    <p:cond delay="0"/>
+                                  </p:stCondLst>
+                                  <p:childTnLst>
+                                    <p:set>
+                                      <p:cBhvr>
+                                        <p:cTn id="6" dur="1" fill="hold">
+                                          <p:stCondLst>
+                                            <p:cond delay="0"/>
+                                          </p:stCondLst>
+                                        </p:cTn>
+                                        <p:tgtEl>
+                                          <p:spTgt spid="9"/>
+                                        </p:tgtEl>
+                                        <p:attrNameLst>
+                                          <p:attrName>style.visibility</p:attrName>
+                                        </p:attrNameLst>
+                                      </p:cBhvr>
+                                      <p:to>
+                                        <p:strVal val="visible"/>
+                                      </p:to>
+                                    </p:set>
+                                    <p:animEffect transition="in" filter="checkerboard(across)">
+                                      <p:cBhvr>
+                                        <p:cTn id="7" dur="500"/>
+                                        <p:tgtEl>
+                                          <p:spTgt spid="9"/>
+                                        </p:tgtEl>
+                                      </p:cBhvr>
+                                    </p:animEffect>
+                                  </p:childTnLst>
+                                </p:cTn>
+                              </p:par>
+                            </p:childTnLst>
+                          </p:cTn>
+                        </p:par>
+                      </p:childTnLst>
+                    </p:cTn>
+                  </p:par>
+                </p:childTnLst>
+              </p:cTn>
+              <p:prevCondLst>
+                <p:cond evt="onPrev" delay="0">
+                  <p:tgtEl>
+                    <p:sldTgt/>
+                  </p:tgtEl>
+                </p:cond>
+              </p:prevCondLst>
+              <p:nextCondLst>
+                <p:cond evt="onNext" delay="0">
+                  <p:tgtEl>
+                    <p:sldTgt/>
+                  </p:tgtEl>
+                </p:cond>
+              </p:nextCondLst>
+            </p:seq>
+          </p:childTnLst>
+        </p:cTn>
+      </p:par>
+    </p:tnLst>
+    <p:bldLst>
+      <p:bldP spid="9" grpId="0"/>
+    </p:bldLst>
+  </p:timing>
+</p:sld>
+</file>
+
+<file path=ppt/slides/slide35.xml><?xml version="1.0" encoding="utf-8"?>
+<p:sld xmlns:a="http://schemas.openxmlformats.org/drawingml/2006/main" xmlns:r="http://schemas.openxmlformats.org/officeDocument/2006/relationships" xmlns:p="http://schemas.openxmlformats.org/presentationml/2006/main">
+  <p:cSld>
+    <p:spTree>
+      <p:nvGrpSpPr>
+        <p:cNvPr id="1" name=""/>
+        <p:cNvGrpSpPr/>
+        <p:nvPr/>
+      </p:nvGrpSpPr>
+      <p:grpSpPr>
+        <a:xfrm>
+          <a:off x="0" y="0"/>
+          <a:ext cx="0" cy="0"/>
+          <a:chOff x="0" y="0"/>
+          <a:chExt cx="0" cy="0"/>
+        </a:xfrm>
+      </p:grpSpPr>
+      <p:sp>
+        <p:nvSpPr>
+          <p:cNvPr id="9" name="Title 8"/>
+          <p:cNvSpPr>
+            <a:spLocks noGrp="1"/>
+          </p:cNvSpPr>
+          <p:nvPr>
+            <p:ph type="title"/>
+          </p:nvPr>
+        </p:nvSpPr>
+        <p:spPr/>
+        <p:txBody>
+          <a:bodyPr/>
+          <a:lstStyle/>
+          <a:p>
+            <a:r>
+              <a:rPr lang="en-US" altLang="zh-CN" sz="4400" dirty="0" smtClean="0"/>
+              <a:t>Nicholas C. </a:t>
+            </a:r>
+            <a:r>
+              <a:rPr lang="en-US" altLang="zh-CN" sz="4400" dirty="0" err="1" smtClean="0"/>
+              <a:t>Zakas</a:t>
+            </a:r>
+            <a:r>
+              <a:rPr lang="en-US" altLang="zh-CN" sz="4400" dirty="0" smtClean="0"/>
+              <a:t> </a:t>
+            </a:r>
+            <a:r>
+              <a:rPr lang="en-US" altLang="zh-CN" sz="4400" dirty="0"/>
+              <a:t/>
+            </a:r>
+            <a:br>
+              <a:rPr lang="en-US" altLang="zh-CN" sz="4400" dirty="0"/>
+            </a:br>
+            <a:endParaRPr lang="en-US" dirty="0"/>
+          </a:p>
+        </p:txBody>
+      </p:sp>
+      <p:pic>
+        <p:nvPicPr>
+          <p:cNvPr id="8" name="内容占位符 7" descr="51DkGoh2StL._SX258_BO1,204,203,200_.jpg"/>
+          <p:cNvPicPr>
+            <a:picLocks noGrp="1" noChangeAspect="1"/>
+          </p:cNvPicPr>
+          <p:nvPr>
+            <p:ph sz="half" idx="2"/>
+          </p:nvPr>
+        </p:nvPicPr>
+        <p:blipFill>
+          <a:blip r:embed="rId3"/>
+          <a:stretch>
+            <a:fillRect/>
+          </a:stretch>
+        </p:blipFill>
+        <p:spPr>
+          <a:xfrm>
+            <a:off x="5947568" y="1921271"/>
+            <a:ext cx="3177946" cy="4022329"/>
+          </a:xfrm>
+        </p:spPr>
+      </p:pic>
+      <p:pic>
+        <p:nvPicPr>
+          <p:cNvPr id="7" name="内容占位符 6" descr="4e4c982a3f4f0ad8976f74.L._V393513896_SX200_.jpg"/>
+          <p:cNvPicPr>
+            <a:picLocks noGrp="1" noChangeAspect="1"/>
+          </p:cNvPicPr>
+          <p:nvPr>
+            <p:ph sz="half" idx="1"/>
+          </p:nvPr>
+        </p:nvPicPr>
+        <p:blipFill>
+          <a:blip r:embed="rId4"/>
+          <a:stretch>
+            <a:fillRect/>
+          </a:stretch>
+        </p:blipFill>
+        <p:spPr>
+          <a:xfrm>
+            <a:off x="1796256" y="1921271"/>
+            <a:ext cx="2890044" cy="4022329"/>
           </a:xfrm>
         </p:spPr>
       </p:pic>
@@ -20157,16 +20991,8 @@
               <a:t>    </a:t>
             </a:r>
             <a:r>
-              <a:rPr lang="en-US" altLang="zh-CN" sz="2400" dirty="0" err="1" smtClean="0"/>
-              <a:t>var</a:t>
-            </a:r>
-            <a:r>
               <a:rPr lang="en-US" altLang="zh-CN" sz="2400" dirty="0" smtClean="0"/>
-              <a:t> </a:t>
-            </a:r>
-            <a:r>
-              <a:rPr lang="en-US" altLang="zh-CN" sz="2400" dirty="0"/>
-              <a:t>age=20</a:t>
+              <a:t> name=20</a:t>
             </a:r>
             <a:r>
               <a:rPr lang="zh-CN" altLang="en-US" sz="2400" dirty="0"/>
